--- a/lectures/01/Введение в ОС.pptx
+++ b/lectures/01/Введение в ОС.pptx
@@ -5,7 +5,7 @@
     <p:sldMasterId id="2147483648" r:id="rId1"/>
   </p:sldMasterIdLst>
   <p:notesMasterIdLst>
-    <p:notesMasterId r:id="rId70"/>
+    <p:notesMasterId r:id="rId71"/>
   </p:notesMasterIdLst>
   <p:sldIdLst>
     <p:sldId id="256" r:id="rId2"/>
@@ -75,7 +75,8 @@
     <p:sldId id="322" r:id="rId66"/>
     <p:sldId id="323" r:id="rId67"/>
     <p:sldId id="320" r:id="rId68"/>
-    <p:sldId id="324" r:id="rId69"/>
+    <p:sldId id="325" r:id="rId69"/>
+    <p:sldId id="324" r:id="rId70"/>
   </p:sldIdLst>
   <p:sldSz cx="12192000" cy="6858000"/>
   <p:notesSz cx="6858000" cy="9144000"/>
@@ -258,6 +259,7 @@
             <p14:sldId id="322"/>
             <p14:sldId id="323"/>
             <p14:sldId id="320"/>
+            <p14:sldId id="325"/>
             <p14:sldId id="324"/>
           </p14:sldIdLst>
         </p14:section>
@@ -363,7 +365,7 @@
           <a:p>
             <a:fld id="{273405FD-1719-4A7C-8220-910DC615F494}" type="datetimeFigureOut">
               <a:rPr lang="en-US" smtClean="0"/>
-              <a:t>9/3/2025</a:t>
+              <a:t>9/6/2025</a:t>
             </a:fld>
             <a:endParaRPr lang="en-US"/>
           </a:p>
@@ -3381,7 +3383,55 @@
           <a:bodyPr/>
           <a:lstStyle/>
           <a:p>
-            <a:endParaRPr lang="en-US"/>
+            <a:r>
+              <a:rPr lang="ru-RU" dirty="0"/>
+              <a:t>С конца 1990-х и до 2010-х </a:t>
+            </a:r>
+            <a:r>
+              <a:rPr lang="ru-RU" b="1" dirty="0"/>
+              <a:t>Symbian OS</a:t>
+            </a:r>
+            <a:r>
+              <a:rPr lang="ru-RU" dirty="0"/>
+              <a:t> была стандартом де-факто. Nokia и партнёры использовали её во всех популярных моделях.</a:t>
+            </a:r>
+          </a:p>
+          <a:p>
+            <a:r>
+              <a:rPr lang="ru-RU" b="1" dirty="0"/>
+              <a:t>BlackBerry OS (2002)</a:t>
+            </a:r>
+            <a:r>
+              <a:rPr lang="ru-RU" dirty="0"/>
+              <a:t> обеспечила бизнесу удобную почту и безопасность, заняв корпоративный сегмент.</a:t>
+            </a:r>
+          </a:p>
+          <a:p>
+            <a:r>
+              <a:rPr lang="ru-RU" dirty="0"/>
+              <a:t>Переломный момент — 2007 год: </a:t>
+            </a:r>
+            <a:r>
+              <a:rPr lang="ru-RU" b="1" dirty="0"/>
+              <a:t>Apple iPhone с </a:t>
+            </a:r>
+            <a:r>
+              <a:rPr lang="ru-RU" b="1" dirty="0" err="1"/>
+              <a:t>iOS</a:t>
+            </a:r>
+            <a:r>
+              <a:rPr lang="ru-RU" dirty="0"/>
+              <a:t>. Смартфон стал устройством «для всех», с интуитивным интерфейсом, мультимедиа и интернетом.</a:t>
+            </a:r>
+          </a:p>
+          <a:p>
+            <a:r>
+              <a:rPr lang="ru-RU" dirty="0"/>
+              <a:t>С этого момента рынок мобильных ОС стал очень конкурентным.</a:t>
+            </a:r>
+          </a:p>
+          <a:p>
+            <a:endParaRPr lang="en-US" dirty="0"/>
           </a:p>
         </p:txBody>
       </p:sp>
@@ -7960,7 +8010,7 @@
           <a:p>
             <a:fld id="{AEC1D6D5-74DC-44BC-AC30-72F8FE164ECA}" type="datetimeFigureOut">
               <a:rPr lang="en-US" smtClean="0"/>
-              <a:t>9/3/2025</a:t>
+              <a:t>9/6/2025</a:t>
             </a:fld>
             <a:endParaRPr lang="en-US"/>
           </a:p>
@@ -8158,7 +8208,7 @@
           <a:p>
             <a:fld id="{AEC1D6D5-74DC-44BC-AC30-72F8FE164ECA}" type="datetimeFigureOut">
               <a:rPr lang="en-US" smtClean="0"/>
-              <a:t>9/3/2025</a:t>
+              <a:t>9/6/2025</a:t>
             </a:fld>
             <a:endParaRPr lang="en-US"/>
           </a:p>
@@ -8366,7 +8416,7 @@
           <a:p>
             <a:fld id="{AEC1D6D5-74DC-44BC-AC30-72F8FE164ECA}" type="datetimeFigureOut">
               <a:rPr lang="en-US" smtClean="0"/>
-              <a:t>9/3/2025</a:t>
+              <a:t>9/6/2025</a:t>
             </a:fld>
             <a:endParaRPr lang="en-US"/>
           </a:p>
@@ -8564,7 +8614,7 @@
           <a:p>
             <a:fld id="{AEC1D6D5-74DC-44BC-AC30-72F8FE164ECA}" type="datetimeFigureOut">
               <a:rPr lang="en-US" smtClean="0"/>
-              <a:t>9/3/2025</a:t>
+              <a:t>9/6/2025</a:t>
             </a:fld>
             <a:endParaRPr lang="en-US"/>
           </a:p>
@@ -8839,7 +8889,7 @@
           <a:p>
             <a:fld id="{AEC1D6D5-74DC-44BC-AC30-72F8FE164ECA}" type="datetimeFigureOut">
               <a:rPr lang="en-US" smtClean="0"/>
-              <a:t>9/3/2025</a:t>
+              <a:t>9/6/2025</a:t>
             </a:fld>
             <a:endParaRPr lang="en-US"/>
           </a:p>
@@ -9104,7 +9154,7 @@
           <a:p>
             <a:fld id="{AEC1D6D5-74DC-44BC-AC30-72F8FE164ECA}" type="datetimeFigureOut">
               <a:rPr lang="en-US" smtClean="0"/>
-              <a:t>9/3/2025</a:t>
+              <a:t>9/6/2025</a:t>
             </a:fld>
             <a:endParaRPr lang="en-US"/>
           </a:p>
@@ -9516,7 +9566,7 @@
           <a:p>
             <a:fld id="{AEC1D6D5-74DC-44BC-AC30-72F8FE164ECA}" type="datetimeFigureOut">
               <a:rPr lang="en-US" smtClean="0"/>
-              <a:t>9/3/2025</a:t>
+              <a:t>9/6/2025</a:t>
             </a:fld>
             <a:endParaRPr lang="en-US"/>
           </a:p>
@@ -9657,7 +9707,7 @@
           <a:p>
             <a:fld id="{AEC1D6D5-74DC-44BC-AC30-72F8FE164ECA}" type="datetimeFigureOut">
               <a:rPr lang="en-US" smtClean="0"/>
-              <a:t>9/3/2025</a:t>
+              <a:t>9/6/2025</a:t>
             </a:fld>
             <a:endParaRPr lang="en-US"/>
           </a:p>
@@ -9770,7 +9820,7 @@
           <a:p>
             <a:fld id="{AEC1D6D5-74DC-44BC-AC30-72F8FE164ECA}" type="datetimeFigureOut">
               <a:rPr lang="en-US" smtClean="0"/>
-              <a:t>9/3/2025</a:t>
+              <a:t>9/6/2025</a:t>
             </a:fld>
             <a:endParaRPr lang="en-US"/>
           </a:p>
@@ -10081,7 +10131,7 @@
           <a:p>
             <a:fld id="{AEC1D6D5-74DC-44BC-AC30-72F8FE164ECA}" type="datetimeFigureOut">
               <a:rPr lang="en-US" smtClean="0"/>
-              <a:t>9/3/2025</a:t>
+              <a:t>9/6/2025</a:t>
             </a:fld>
             <a:endParaRPr lang="en-US"/>
           </a:p>
@@ -10369,7 +10419,7 @@
           <a:p>
             <a:fld id="{AEC1D6D5-74DC-44BC-AC30-72F8FE164ECA}" type="datetimeFigureOut">
               <a:rPr lang="en-US" smtClean="0"/>
-              <a:t>9/3/2025</a:t>
+              <a:t>9/6/2025</a:t>
             </a:fld>
             <a:endParaRPr lang="en-US"/>
           </a:p>
@@ -10610,7 +10660,7 @@
           <a:p>
             <a:fld id="{AEC1D6D5-74DC-44BC-AC30-72F8FE164ECA}" type="datetimeFigureOut">
               <a:rPr lang="en-US" smtClean="0"/>
-              <a:t>9/3/2025</a:t>
+              <a:t>9/6/2025</a:t>
             </a:fld>
             <a:endParaRPr lang="en-US"/>
           </a:p>
@@ -11043,14 +11093,19 @@
             <p:ph type="ctrTitle"/>
           </p:nvPr>
         </p:nvSpPr>
-        <p:spPr/>
-        <p:txBody>
-          <a:bodyPr/>
-          <a:lstStyle/>
-          <a:p>
-            <a:r>
-              <a:rPr lang="ru-RU" dirty="0"/>
-              <a:t>Введение в операционные системы и сети</a:t>
+        <p:spPr>
+          <a:xfrm>
+            <a:off x="0" y="1122362"/>
+            <a:ext cx="12192000" cy="3125787"/>
+          </a:xfrm>
+        </p:spPr>
+        <p:txBody>
+          <a:bodyPr/>
+          <a:lstStyle/>
+          <a:p>
+            <a:r>
+              <a:rPr lang="ru-RU" dirty="0"/>
+              <a:t>Операционные системы и сети</a:t>
             </a:r>
             <a:endParaRPr lang="en-US" dirty="0"/>
           </a:p>
@@ -11072,12 +11127,21 @@
             <p:ph type="subTitle" idx="1"/>
           </p:nvPr>
         </p:nvSpPr>
-        <p:spPr/>
-        <p:txBody>
-          <a:bodyPr/>
-          <a:lstStyle/>
-          <a:p>
-            <a:endParaRPr lang="en-US"/>
+        <p:spPr>
+          <a:xfrm>
+            <a:off x="1524000" y="4495800"/>
+            <a:ext cx="9144000" cy="762000"/>
+          </a:xfrm>
+        </p:spPr>
+        <p:txBody>
+          <a:bodyPr/>
+          <a:lstStyle/>
+          <a:p>
+            <a:r>
+              <a:rPr lang="ru-RU" sz="3600" dirty="0"/>
+              <a:t>Введение</a:t>
+            </a:r>
+            <a:endParaRPr lang="en-US" dirty="0"/>
           </a:p>
         </p:txBody>
       </p:sp>
@@ -11325,6 +11389,587 @@
           </a:p>
         </p:txBody>
       </p:sp>
+      <p:grpSp>
+        <p:nvGrpSpPr>
+          <p:cNvPr id="18" name="Group 17">
+            <a:extLst>
+              <a:ext uri="{FF2B5EF4-FFF2-40B4-BE49-F238E27FC236}">
+                <a16:creationId xmlns:a16="http://schemas.microsoft.com/office/drawing/2014/main" id="{23BA9F4B-F7B2-D349-2E2C-278A52E820E5}"/>
+              </a:ext>
+            </a:extLst>
+          </p:cNvPr>
+          <p:cNvGrpSpPr/>
+          <p:nvPr/>
+        </p:nvGrpSpPr>
+        <p:grpSpPr>
+          <a:xfrm>
+            <a:off x="4015235" y="5636356"/>
+            <a:ext cx="928914" cy="419100"/>
+            <a:chOff x="2477837" y="5757863"/>
+            <a:chExt cx="928914" cy="419100"/>
+          </a:xfrm>
+        </p:grpSpPr>
+        <p:sp>
+          <p:nvSpPr>
+            <p:cNvPr id="9" name="Rectangle 8">
+              <a:extLst>
+                <a:ext uri="{FF2B5EF4-FFF2-40B4-BE49-F238E27FC236}">
+                  <a16:creationId xmlns:a16="http://schemas.microsoft.com/office/drawing/2014/main" id="{48B8CA4D-4BC7-9F52-25BA-4B7A5737D9CB}"/>
+                </a:ext>
+              </a:extLst>
+            </p:cNvPr>
+            <p:cNvSpPr/>
+            <p:nvPr/>
+          </p:nvSpPr>
+          <p:spPr>
+            <a:xfrm>
+              <a:off x="2477837" y="5757863"/>
+              <a:ext cx="928914" cy="419100"/>
+            </a:xfrm>
+            <a:prstGeom prst="rect">
+              <a:avLst/>
+            </a:prstGeom>
+            <a:solidFill>
+              <a:schemeClr val="accent3">
+                <a:lumMod val="20000"/>
+                <a:lumOff val="80000"/>
+              </a:schemeClr>
+            </a:solidFill>
+          </p:spPr>
+          <p:style>
+            <a:lnRef idx="2">
+              <a:schemeClr val="accent2">
+                <a:shade val="15000"/>
+              </a:schemeClr>
+            </a:lnRef>
+            <a:fillRef idx="1">
+              <a:schemeClr val="accent2"/>
+            </a:fillRef>
+            <a:effectRef idx="0">
+              <a:schemeClr val="accent2"/>
+            </a:effectRef>
+            <a:fontRef idx="minor">
+              <a:schemeClr val="lt1"/>
+            </a:fontRef>
+          </p:style>
+          <p:txBody>
+            <a:bodyPr rtlCol="0" anchor="ctr"/>
+            <a:lstStyle/>
+            <a:p>
+              <a:pPr algn="ctr"/>
+              <a:endParaRPr lang="en-US"/>
+            </a:p>
+          </p:txBody>
+        </p:sp>
+        <p:pic>
+          <p:nvPicPr>
+            <p:cNvPr id="5" name="Graphic 4">
+              <a:extLst>
+                <a:ext uri="{FF2B5EF4-FFF2-40B4-BE49-F238E27FC236}">
+                  <a16:creationId xmlns:a16="http://schemas.microsoft.com/office/drawing/2014/main" id="{99D0E55D-7840-926C-FFA4-FF553CDA2E15}"/>
+                </a:ext>
+              </a:extLst>
+            </p:cNvPr>
+            <p:cNvPicPr>
+              <a:picLocks noChangeAspect="1"/>
+            </p:cNvPicPr>
+            <p:nvPr/>
+          </p:nvPicPr>
+          <p:blipFill>
+            <a:blip r:embed="rId3">
+              <a:extLst>
+                <a:ext uri="{96DAC541-7B7A-43D3-8B79-37D633B846F1}">
+                  <asvg:svgBlip xmlns:asvg="http://schemas.microsoft.com/office/drawing/2016/SVG/main" r:embed="rId4"/>
+                </a:ext>
+              </a:extLst>
+            </a:blip>
+            <a:stretch>
+              <a:fillRect/>
+            </a:stretch>
+          </p:blipFill>
+          <p:spPr>
+            <a:xfrm>
+              <a:off x="2655178" y="5795963"/>
+              <a:ext cx="387475" cy="360489"/>
+            </a:xfrm>
+            <a:prstGeom prst="rect">
+              <a:avLst/>
+            </a:prstGeom>
+          </p:spPr>
+        </p:pic>
+      </p:grpSp>
+      <p:grpSp>
+        <p:nvGrpSpPr>
+          <p:cNvPr id="17" name="Group 16">
+            <a:extLst>
+              <a:ext uri="{FF2B5EF4-FFF2-40B4-BE49-F238E27FC236}">
+                <a16:creationId xmlns:a16="http://schemas.microsoft.com/office/drawing/2014/main" id="{A479963B-0C31-6EEB-2142-FF78349F1182}"/>
+              </a:ext>
+            </a:extLst>
+          </p:cNvPr>
+          <p:cNvGrpSpPr/>
+          <p:nvPr/>
+        </p:nvGrpSpPr>
+        <p:grpSpPr>
+          <a:xfrm>
+            <a:off x="2646903" y="5636356"/>
+            <a:ext cx="928914" cy="419100"/>
+            <a:chOff x="1109505" y="5757863"/>
+            <a:chExt cx="928914" cy="419100"/>
+          </a:xfrm>
+        </p:grpSpPr>
+        <p:sp>
+          <p:nvSpPr>
+            <p:cNvPr id="4" name="Rectangle 3">
+              <a:extLst>
+                <a:ext uri="{FF2B5EF4-FFF2-40B4-BE49-F238E27FC236}">
+                  <a16:creationId xmlns:a16="http://schemas.microsoft.com/office/drawing/2014/main" id="{E155CE98-BC51-E24C-D8F0-8F11AF48CFCD}"/>
+                </a:ext>
+              </a:extLst>
+            </p:cNvPr>
+            <p:cNvSpPr/>
+            <p:nvPr/>
+          </p:nvSpPr>
+          <p:spPr>
+            <a:xfrm>
+              <a:off x="1109505" y="5757863"/>
+              <a:ext cx="928914" cy="419100"/>
+            </a:xfrm>
+            <a:prstGeom prst="rect">
+              <a:avLst/>
+            </a:prstGeom>
+            <a:solidFill>
+              <a:schemeClr val="accent3">
+                <a:lumMod val="20000"/>
+                <a:lumOff val="80000"/>
+              </a:schemeClr>
+            </a:solidFill>
+          </p:spPr>
+          <p:style>
+            <a:lnRef idx="2">
+              <a:schemeClr val="accent2">
+                <a:shade val="15000"/>
+              </a:schemeClr>
+            </a:lnRef>
+            <a:fillRef idx="1">
+              <a:schemeClr val="accent2"/>
+            </a:fillRef>
+            <a:effectRef idx="0">
+              <a:schemeClr val="accent2"/>
+            </a:effectRef>
+            <a:fontRef idx="minor">
+              <a:schemeClr val="lt1"/>
+            </a:fontRef>
+          </p:style>
+          <p:txBody>
+            <a:bodyPr rtlCol="0" anchor="ctr"/>
+            <a:lstStyle/>
+            <a:p>
+              <a:pPr algn="ctr"/>
+              <a:endParaRPr lang="en-US"/>
+            </a:p>
+          </p:txBody>
+        </p:sp>
+        <p:pic>
+          <p:nvPicPr>
+            <p:cNvPr id="6" name="Graphic 5">
+              <a:extLst>
+                <a:ext uri="{FF2B5EF4-FFF2-40B4-BE49-F238E27FC236}">
+                  <a16:creationId xmlns:a16="http://schemas.microsoft.com/office/drawing/2014/main" id="{DAF5C873-B079-0E12-6F8C-AA096BAD32F5}"/>
+                </a:ext>
+              </a:extLst>
+            </p:cNvPr>
+            <p:cNvPicPr>
+              <a:picLocks noChangeAspect="1"/>
+            </p:cNvPicPr>
+            <p:nvPr/>
+          </p:nvPicPr>
+          <p:blipFill>
+            <a:blip r:embed="rId5">
+              <a:extLst>
+                <a:ext uri="{96DAC541-7B7A-43D3-8B79-37D633B846F1}">
+                  <asvg:svgBlip xmlns:asvg="http://schemas.microsoft.com/office/drawing/2016/SVG/main" r:embed="rId6"/>
+                </a:ext>
+              </a:extLst>
+            </a:blip>
+            <a:stretch>
+              <a:fillRect/>
+            </a:stretch>
+          </p:blipFill>
+          <p:spPr>
+            <a:xfrm>
+              <a:off x="1380224" y="5757863"/>
+              <a:ext cx="387475" cy="387475"/>
+            </a:xfrm>
+            <a:prstGeom prst="rect">
+              <a:avLst/>
+            </a:prstGeom>
+          </p:spPr>
+        </p:pic>
+      </p:grpSp>
+      <p:grpSp>
+        <p:nvGrpSpPr>
+          <p:cNvPr id="19" name="Group 18">
+            <a:extLst>
+              <a:ext uri="{FF2B5EF4-FFF2-40B4-BE49-F238E27FC236}">
+                <a16:creationId xmlns:a16="http://schemas.microsoft.com/office/drawing/2014/main" id="{2EB256E6-0AE9-BE84-5FD6-B1A82B2EFA35}"/>
+              </a:ext>
+            </a:extLst>
+          </p:cNvPr>
+          <p:cNvGrpSpPr/>
+          <p:nvPr/>
+        </p:nvGrpSpPr>
+        <p:grpSpPr>
+          <a:xfrm>
+            <a:off x="5208935" y="5636356"/>
+            <a:ext cx="1507047" cy="419100"/>
+            <a:chOff x="3671537" y="5757863"/>
+            <a:chExt cx="1507047" cy="419100"/>
+          </a:xfrm>
+        </p:grpSpPr>
+        <p:sp>
+          <p:nvSpPr>
+            <p:cNvPr id="10" name="Rectangle 9">
+              <a:extLst>
+                <a:ext uri="{FF2B5EF4-FFF2-40B4-BE49-F238E27FC236}">
+                  <a16:creationId xmlns:a16="http://schemas.microsoft.com/office/drawing/2014/main" id="{B41EC617-6742-418E-17C9-4951B9C25916}"/>
+                </a:ext>
+              </a:extLst>
+            </p:cNvPr>
+            <p:cNvSpPr/>
+            <p:nvPr/>
+          </p:nvSpPr>
+          <p:spPr>
+            <a:xfrm>
+              <a:off x="3671537" y="5757863"/>
+              <a:ext cx="1507047" cy="419100"/>
+            </a:xfrm>
+            <a:prstGeom prst="rect">
+              <a:avLst/>
+            </a:prstGeom>
+            <a:solidFill>
+              <a:schemeClr val="accent3">
+                <a:lumMod val="20000"/>
+                <a:lumOff val="80000"/>
+              </a:schemeClr>
+            </a:solidFill>
+          </p:spPr>
+          <p:style>
+            <a:lnRef idx="2">
+              <a:schemeClr val="accent2">
+                <a:shade val="15000"/>
+              </a:schemeClr>
+            </a:lnRef>
+            <a:fillRef idx="1">
+              <a:schemeClr val="accent2"/>
+            </a:fillRef>
+            <a:effectRef idx="0">
+              <a:schemeClr val="accent2"/>
+            </a:effectRef>
+            <a:fontRef idx="minor">
+              <a:schemeClr val="lt1"/>
+            </a:fontRef>
+          </p:style>
+          <p:txBody>
+            <a:bodyPr rtlCol="0" anchor="ctr"/>
+            <a:lstStyle/>
+            <a:p>
+              <a:pPr algn="ctr"/>
+              <a:endParaRPr lang="en-US"/>
+            </a:p>
+          </p:txBody>
+        </p:sp>
+        <p:pic>
+          <p:nvPicPr>
+            <p:cNvPr id="7" name="Graphic 6">
+              <a:extLst>
+                <a:ext uri="{FF2B5EF4-FFF2-40B4-BE49-F238E27FC236}">
+                  <a16:creationId xmlns:a16="http://schemas.microsoft.com/office/drawing/2014/main" id="{361F72D3-54A2-70AD-2D8C-265D2D1B46A9}"/>
+                </a:ext>
+              </a:extLst>
+            </p:cNvPr>
+            <p:cNvPicPr>
+              <a:picLocks noChangeAspect="1"/>
+            </p:cNvPicPr>
+            <p:nvPr/>
+          </p:nvPicPr>
+          <p:blipFill>
+            <a:blip r:embed="rId7">
+              <a:extLst>
+                <a:ext uri="{96DAC541-7B7A-43D3-8B79-37D633B846F1}">
+                  <asvg:svgBlip xmlns:asvg="http://schemas.microsoft.com/office/drawing/2016/SVG/main" r:embed="rId8"/>
+                </a:ext>
+              </a:extLst>
+            </a:blip>
+            <a:stretch>
+              <a:fillRect/>
+            </a:stretch>
+          </p:blipFill>
+          <p:spPr>
+            <a:xfrm>
+              <a:off x="4244815" y="5787168"/>
+              <a:ext cx="360489" cy="360489"/>
+            </a:xfrm>
+            <a:prstGeom prst="rect">
+              <a:avLst/>
+            </a:prstGeom>
+          </p:spPr>
+        </p:pic>
+      </p:grpSp>
+      <p:pic>
+        <p:nvPicPr>
+          <p:cNvPr id="12" name="Graphic 11" descr="Processor with solid fill">
+            <a:extLst>
+              <a:ext uri="{FF2B5EF4-FFF2-40B4-BE49-F238E27FC236}">
+                <a16:creationId xmlns:a16="http://schemas.microsoft.com/office/drawing/2014/main" id="{AEA65A27-431D-78BE-8D50-BFE20ABF71D9}"/>
+              </a:ext>
+            </a:extLst>
+          </p:cNvPr>
+          <p:cNvPicPr>
+            <a:picLocks noChangeAspect="1"/>
+          </p:cNvPicPr>
+          <p:nvPr/>
+        </p:nvPicPr>
+        <p:blipFill>
+          <a:blip r:embed="rId9">
+            <a:extLst>
+              <a:ext uri="{96DAC541-7B7A-43D3-8B79-37D633B846F1}">
+                <asvg:svgBlip xmlns:asvg="http://schemas.microsoft.com/office/drawing/2016/SVG/main" r:embed="rId10"/>
+              </a:ext>
+            </a:extLst>
+          </a:blip>
+          <a:stretch>
+            <a:fillRect/>
+          </a:stretch>
+        </p:blipFill>
+        <p:spPr>
+          <a:xfrm>
+            <a:off x="1596851" y="5397500"/>
+            <a:ext cx="914400" cy="914400"/>
+          </a:xfrm>
+          <a:prstGeom prst="rect">
+            <a:avLst/>
+          </a:prstGeom>
+        </p:spPr>
+      </p:pic>
+      <p:grpSp>
+        <p:nvGrpSpPr>
+          <p:cNvPr id="20" name="Group 19">
+            <a:extLst>
+              <a:ext uri="{FF2B5EF4-FFF2-40B4-BE49-F238E27FC236}">
+                <a16:creationId xmlns:a16="http://schemas.microsoft.com/office/drawing/2014/main" id="{74E2A033-548C-8480-6D17-84C707C8DEFB}"/>
+              </a:ext>
+            </a:extLst>
+          </p:cNvPr>
+          <p:cNvGrpSpPr/>
+          <p:nvPr/>
+        </p:nvGrpSpPr>
+        <p:grpSpPr>
+          <a:xfrm>
+            <a:off x="6899112" y="5636356"/>
+            <a:ext cx="928914" cy="419100"/>
+            <a:chOff x="5361714" y="5757863"/>
+            <a:chExt cx="928914" cy="419100"/>
+          </a:xfrm>
+        </p:grpSpPr>
+        <p:sp>
+          <p:nvSpPr>
+            <p:cNvPr id="13" name="Rectangle 12">
+              <a:extLst>
+                <a:ext uri="{FF2B5EF4-FFF2-40B4-BE49-F238E27FC236}">
+                  <a16:creationId xmlns:a16="http://schemas.microsoft.com/office/drawing/2014/main" id="{5B1513AA-2F33-0E42-B662-D8B64403B832}"/>
+                </a:ext>
+              </a:extLst>
+            </p:cNvPr>
+            <p:cNvSpPr/>
+            <p:nvPr/>
+          </p:nvSpPr>
+          <p:spPr>
+            <a:xfrm>
+              <a:off x="5361714" y="5757863"/>
+              <a:ext cx="928914" cy="419100"/>
+            </a:xfrm>
+            <a:prstGeom prst="rect">
+              <a:avLst/>
+            </a:prstGeom>
+            <a:solidFill>
+              <a:schemeClr val="accent3">
+                <a:lumMod val="20000"/>
+                <a:lumOff val="80000"/>
+              </a:schemeClr>
+            </a:solidFill>
+          </p:spPr>
+          <p:style>
+            <a:lnRef idx="2">
+              <a:schemeClr val="accent2">
+                <a:shade val="15000"/>
+              </a:schemeClr>
+            </a:lnRef>
+            <a:fillRef idx="1">
+              <a:schemeClr val="accent2"/>
+            </a:fillRef>
+            <a:effectRef idx="0">
+              <a:schemeClr val="accent2"/>
+            </a:effectRef>
+            <a:fontRef idx="minor">
+              <a:schemeClr val="lt1"/>
+            </a:fontRef>
+          </p:style>
+          <p:txBody>
+            <a:bodyPr rtlCol="0" anchor="ctr"/>
+            <a:lstStyle/>
+            <a:p>
+              <a:pPr algn="ctr"/>
+              <a:endParaRPr lang="en-US"/>
+            </a:p>
+          </p:txBody>
+        </p:sp>
+        <p:pic>
+          <p:nvPicPr>
+            <p:cNvPr id="14" name="Graphic 13">
+              <a:extLst>
+                <a:ext uri="{FF2B5EF4-FFF2-40B4-BE49-F238E27FC236}">
+                  <a16:creationId xmlns:a16="http://schemas.microsoft.com/office/drawing/2014/main" id="{9BCB16E1-D229-5D70-E7E8-53F05C090A0D}"/>
+                </a:ext>
+              </a:extLst>
+            </p:cNvPr>
+            <p:cNvPicPr>
+              <a:picLocks noChangeAspect="1"/>
+            </p:cNvPicPr>
+            <p:nvPr/>
+          </p:nvPicPr>
+          <p:blipFill>
+            <a:blip r:embed="rId3">
+              <a:extLst>
+                <a:ext uri="{96DAC541-7B7A-43D3-8B79-37D633B846F1}">
+                  <asvg:svgBlip xmlns:asvg="http://schemas.microsoft.com/office/drawing/2016/SVG/main" r:embed="rId4"/>
+                </a:ext>
+              </a:extLst>
+            </a:blip>
+            <a:stretch>
+              <a:fillRect/>
+            </a:stretch>
+          </p:blipFill>
+          <p:spPr>
+            <a:xfrm>
+              <a:off x="5539055" y="5795963"/>
+              <a:ext cx="387475" cy="360489"/>
+            </a:xfrm>
+            <a:prstGeom prst="rect">
+              <a:avLst/>
+            </a:prstGeom>
+          </p:spPr>
+        </p:pic>
+      </p:grpSp>
+      <p:grpSp>
+        <p:nvGrpSpPr>
+          <p:cNvPr id="21" name="Group 20">
+            <a:extLst>
+              <a:ext uri="{FF2B5EF4-FFF2-40B4-BE49-F238E27FC236}">
+                <a16:creationId xmlns:a16="http://schemas.microsoft.com/office/drawing/2014/main" id="{BB32727F-ABDB-F5D9-6FA3-55233A35FFC9}"/>
+              </a:ext>
+            </a:extLst>
+          </p:cNvPr>
+          <p:cNvGrpSpPr/>
+          <p:nvPr/>
+        </p:nvGrpSpPr>
+        <p:grpSpPr>
+          <a:xfrm>
+            <a:off x="8099041" y="5636356"/>
+            <a:ext cx="2039746" cy="419100"/>
+            <a:chOff x="6561643" y="5737352"/>
+            <a:chExt cx="2039746" cy="419100"/>
+          </a:xfrm>
+        </p:grpSpPr>
+        <p:sp>
+          <p:nvSpPr>
+            <p:cNvPr id="15" name="Rectangle 14">
+              <a:extLst>
+                <a:ext uri="{FF2B5EF4-FFF2-40B4-BE49-F238E27FC236}">
+                  <a16:creationId xmlns:a16="http://schemas.microsoft.com/office/drawing/2014/main" id="{BDC5CEC6-D1D7-BAEB-DF53-6D8D8CD09EDF}"/>
+                </a:ext>
+              </a:extLst>
+            </p:cNvPr>
+            <p:cNvSpPr/>
+            <p:nvPr/>
+          </p:nvSpPr>
+          <p:spPr>
+            <a:xfrm>
+              <a:off x="6561643" y="5737352"/>
+              <a:ext cx="2039746" cy="419100"/>
+            </a:xfrm>
+            <a:prstGeom prst="rect">
+              <a:avLst/>
+            </a:prstGeom>
+            <a:solidFill>
+              <a:schemeClr val="accent3">
+                <a:lumMod val="20000"/>
+                <a:lumOff val="80000"/>
+              </a:schemeClr>
+            </a:solidFill>
+          </p:spPr>
+          <p:style>
+            <a:lnRef idx="2">
+              <a:schemeClr val="accent2">
+                <a:shade val="15000"/>
+              </a:schemeClr>
+            </a:lnRef>
+            <a:fillRef idx="1">
+              <a:schemeClr val="accent2"/>
+            </a:fillRef>
+            <a:effectRef idx="0">
+              <a:schemeClr val="accent2"/>
+            </a:effectRef>
+            <a:fontRef idx="minor">
+              <a:schemeClr val="lt1"/>
+            </a:fontRef>
+          </p:style>
+          <p:txBody>
+            <a:bodyPr rtlCol="0" anchor="ctr"/>
+            <a:lstStyle/>
+            <a:p>
+              <a:pPr algn="ctr"/>
+              <a:endParaRPr lang="en-US"/>
+            </a:p>
+          </p:txBody>
+        </p:sp>
+        <p:pic>
+          <p:nvPicPr>
+            <p:cNvPr id="16" name="Graphic 15">
+              <a:extLst>
+                <a:ext uri="{FF2B5EF4-FFF2-40B4-BE49-F238E27FC236}">
+                  <a16:creationId xmlns:a16="http://schemas.microsoft.com/office/drawing/2014/main" id="{FD251AF7-5645-0881-F1F1-48ED1823751F}"/>
+                </a:ext>
+              </a:extLst>
+            </p:cNvPr>
+            <p:cNvPicPr>
+              <a:picLocks noChangeAspect="1"/>
+            </p:cNvPicPr>
+            <p:nvPr/>
+          </p:nvPicPr>
+          <p:blipFill>
+            <a:blip r:embed="rId7">
+              <a:extLst>
+                <a:ext uri="{96DAC541-7B7A-43D3-8B79-37D633B846F1}">
+                  <asvg:svgBlip xmlns:asvg="http://schemas.microsoft.com/office/drawing/2016/SVG/main" r:embed="rId8"/>
+                </a:ext>
+              </a:extLst>
+            </a:blip>
+            <a:stretch>
+              <a:fillRect/>
+            </a:stretch>
+          </p:blipFill>
+          <p:spPr>
+            <a:xfrm>
+              <a:off x="7313198" y="5766657"/>
+              <a:ext cx="360489" cy="360489"/>
+            </a:xfrm>
+            <a:prstGeom prst="rect">
+              <a:avLst/>
+            </a:prstGeom>
+          </p:spPr>
+        </p:pic>
+      </p:grpSp>
     </p:spTree>
     <p:extLst>
       <p:ext uri="{BB962C8B-B14F-4D97-AF65-F5344CB8AC3E}">
@@ -11400,9 +12045,16 @@
             <p:ph idx="1"/>
           </p:nvPr>
         </p:nvSpPr>
-        <p:spPr/>
-        <p:txBody>
-          <a:bodyPr/>
+        <p:spPr>
+          <a:xfrm>
+            <a:off x="838200" y="1825625"/>
+            <a:ext cx="5969000" cy="4351338"/>
+          </a:xfrm>
+        </p:spPr>
+        <p:txBody>
+          <a:bodyPr>
+            <a:normAutofit lnSpcReduction="10000"/>
+          </a:bodyPr>
           <a:lstStyle/>
           <a:p>
             <a:r>
@@ -11437,6 +12089,692 @@
           </a:p>
         </p:txBody>
       </p:sp>
+      <p:sp>
+        <p:nvSpPr>
+          <p:cNvPr id="5" name="Rectangle 4">
+            <a:extLst>
+              <a:ext uri="{FF2B5EF4-FFF2-40B4-BE49-F238E27FC236}">
+                <a16:creationId xmlns:a16="http://schemas.microsoft.com/office/drawing/2014/main" id="{CCEF8DFF-1475-1FDD-64B3-0AF348E2D93E}"/>
+              </a:ext>
+            </a:extLst>
+          </p:cNvPr>
+          <p:cNvSpPr/>
+          <p:nvPr/>
+        </p:nvSpPr>
+        <p:spPr>
+          <a:xfrm>
+            <a:off x="7975599" y="1690689"/>
+            <a:ext cx="3861357" cy="1122850"/>
+          </a:xfrm>
+          <a:prstGeom prst="rect">
+            <a:avLst/>
+          </a:prstGeom>
+        </p:spPr>
+        <p:style>
+          <a:lnRef idx="2">
+            <a:schemeClr val="dk1"/>
+          </a:lnRef>
+          <a:fillRef idx="1">
+            <a:schemeClr val="lt1"/>
+          </a:fillRef>
+          <a:effectRef idx="0">
+            <a:schemeClr val="dk1"/>
+          </a:effectRef>
+          <a:fontRef idx="minor">
+            <a:schemeClr val="dk1"/>
+          </a:fontRef>
+        </p:style>
+        <p:txBody>
+          <a:bodyPr rtlCol="0" anchor="ctr"/>
+          <a:lstStyle/>
+          <a:p>
+            <a:pPr algn="ctr"/>
+            <a:endParaRPr lang="en-US"/>
+          </a:p>
+        </p:txBody>
+      </p:sp>
+      <p:sp>
+        <p:nvSpPr>
+          <p:cNvPr id="6" name="Rectangle 5">
+            <a:extLst>
+              <a:ext uri="{FF2B5EF4-FFF2-40B4-BE49-F238E27FC236}">
+                <a16:creationId xmlns:a16="http://schemas.microsoft.com/office/drawing/2014/main" id="{20931BD5-5334-F9C6-9988-F266D5D47A49}"/>
+              </a:ext>
+            </a:extLst>
+          </p:cNvPr>
+          <p:cNvSpPr/>
+          <p:nvPr/>
+        </p:nvSpPr>
+        <p:spPr>
+          <a:xfrm>
+            <a:off x="7975600" y="3155182"/>
+            <a:ext cx="3861358" cy="3337693"/>
+          </a:xfrm>
+          <a:prstGeom prst="rect">
+            <a:avLst/>
+          </a:prstGeom>
+        </p:spPr>
+        <p:style>
+          <a:lnRef idx="2">
+            <a:schemeClr val="dk1"/>
+          </a:lnRef>
+          <a:fillRef idx="1">
+            <a:schemeClr val="lt1"/>
+          </a:fillRef>
+          <a:effectRef idx="0">
+            <a:schemeClr val="dk1"/>
+          </a:effectRef>
+          <a:fontRef idx="minor">
+            <a:schemeClr val="dk1"/>
+          </a:fontRef>
+        </p:style>
+        <p:txBody>
+          <a:bodyPr rtlCol="0" anchor="ctr"/>
+          <a:lstStyle/>
+          <a:p>
+            <a:pPr algn="ctr"/>
+            <a:endParaRPr lang="en-US"/>
+          </a:p>
+        </p:txBody>
+      </p:sp>
+      <p:sp>
+        <p:nvSpPr>
+          <p:cNvPr id="7" name="TextBox 6">
+            <a:extLst>
+              <a:ext uri="{FF2B5EF4-FFF2-40B4-BE49-F238E27FC236}">
+                <a16:creationId xmlns:a16="http://schemas.microsoft.com/office/drawing/2014/main" id="{672EF9AA-E9AB-E48E-DAD8-B0071A727FFC}"/>
+              </a:ext>
+            </a:extLst>
+          </p:cNvPr>
+          <p:cNvSpPr txBox="1"/>
+          <p:nvPr/>
+        </p:nvSpPr>
+        <p:spPr>
+          <a:xfrm>
+            <a:off x="6988977" y="1972137"/>
+            <a:ext cx="804845" cy="369332"/>
+          </a:xfrm>
+          <a:prstGeom prst="rect">
+            <a:avLst/>
+          </a:prstGeom>
+          <a:noFill/>
+        </p:spPr>
+        <p:txBody>
+          <a:bodyPr wrap="square" rtlCol="0">
+            <a:spAutoFit/>
+          </a:bodyPr>
+          <a:lstStyle/>
+          <a:p>
+            <a:r>
+              <a:rPr lang="en-US" dirty="0"/>
+              <a:t>RAM</a:t>
+            </a:r>
+          </a:p>
+        </p:txBody>
+      </p:sp>
+      <p:sp>
+        <p:nvSpPr>
+          <p:cNvPr id="8" name="TextBox 7">
+            <a:extLst>
+              <a:ext uri="{FF2B5EF4-FFF2-40B4-BE49-F238E27FC236}">
+                <a16:creationId xmlns:a16="http://schemas.microsoft.com/office/drawing/2014/main" id="{44EC4CDB-F45D-AB6D-5919-823A4CBBACDC}"/>
+              </a:ext>
+            </a:extLst>
+          </p:cNvPr>
+          <p:cNvSpPr txBox="1"/>
+          <p:nvPr/>
+        </p:nvSpPr>
+        <p:spPr>
+          <a:xfrm>
+            <a:off x="6988976" y="3244334"/>
+            <a:ext cx="804845" cy="646331"/>
+          </a:xfrm>
+          <a:prstGeom prst="rect">
+            <a:avLst/>
+          </a:prstGeom>
+          <a:noFill/>
+        </p:spPr>
+        <p:txBody>
+          <a:bodyPr wrap="square" rtlCol="0">
+            <a:spAutoFit/>
+          </a:bodyPr>
+          <a:lstStyle/>
+          <a:p>
+            <a:r>
+              <a:rPr lang="en-US" dirty="0"/>
+              <a:t>Page File</a:t>
+            </a:r>
+          </a:p>
+        </p:txBody>
+      </p:sp>
+      <p:sp>
+        <p:nvSpPr>
+          <p:cNvPr id="9" name="Rectangle 8">
+            <a:extLst>
+              <a:ext uri="{FF2B5EF4-FFF2-40B4-BE49-F238E27FC236}">
+                <a16:creationId xmlns:a16="http://schemas.microsoft.com/office/drawing/2014/main" id="{4C2D1A27-6CB5-BACB-C1F7-2D7B3AD51460}"/>
+              </a:ext>
+            </a:extLst>
+          </p:cNvPr>
+          <p:cNvSpPr/>
+          <p:nvPr/>
+        </p:nvSpPr>
+        <p:spPr>
+          <a:xfrm>
+            <a:off x="8189407" y="1825625"/>
+            <a:ext cx="854109" cy="666366"/>
+          </a:xfrm>
+          <a:prstGeom prst="rect">
+            <a:avLst/>
+          </a:prstGeom>
+          <a:solidFill>
+            <a:schemeClr val="accent1">
+              <a:lumMod val="20000"/>
+              <a:lumOff val="80000"/>
+            </a:schemeClr>
+          </a:solidFill>
+        </p:spPr>
+        <p:style>
+          <a:lnRef idx="2">
+            <a:schemeClr val="accent1">
+              <a:shade val="15000"/>
+            </a:schemeClr>
+          </a:lnRef>
+          <a:fillRef idx="1">
+            <a:schemeClr val="accent1"/>
+          </a:fillRef>
+          <a:effectRef idx="0">
+            <a:schemeClr val="accent1"/>
+          </a:effectRef>
+          <a:fontRef idx="minor">
+            <a:schemeClr val="lt1"/>
+          </a:fontRef>
+        </p:style>
+        <p:txBody>
+          <a:bodyPr rtlCol="0" anchor="ctr"/>
+          <a:lstStyle/>
+          <a:p>
+            <a:pPr algn="ctr"/>
+            <a:endParaRPr lang="en-US"/>
+          </a:p>
+        </p:txBody>
+      </p:sp>
+      <p:sp>
+        <p:nvSpPr>
+          <p:cNvPr id="10" name="Rectangle 9">
+            <a:extLst>
+              <a:ext uri="{FF2B5EF4-FFF2-40B4-BE49-F238E27FC236}">
+                <a16:creationId xmlns:a16="http://schemas.microsoft.com/office/drawing/2014/main" id="{F518B010-6C5B-284B-B486-006B5D0FA55F}"/>
+              </a:ext>
+            </a:extLst>
+          </p:cNvPr>
+          <p:cNvSpPr/>
+          <p:nvPr/>
+        </p:nvSpPr>
+        <p:spPr>
+          <a:xfrm>
+            <a:off x="9159072" y="1823620"/>
+            <a:ext cx="1261069" cy="666366"/>
+          </a:xfrm>
+          <a:prstGeom prst="rect">
+            <a:avLst/>
+          </a:prstGeom>
+          <a:solidFill>
+            <a:schemeClr val="accent1">
+              <a:lumMod val="20000"/>
+              <a:lumOff val="80000"/>
+            </a:schemeClr>
+          </a:solidFill>
+        </p:spPr>
+        <p:style>
+          <a:lnRef idx="2">
+            <a:schemeClr val="accent1">
+              <a:shade val="15000"/>
+            </a:schemeClr>
+          </a:lnRef>
+          <a:fillRef idx="1">
+            <a:schemeClr val="accent1"/>
+          </a:fillRef>
+          <a:effectRef idx="0">
+            <a:schemeClr val="accent1"/>
+          </a:effectRef>
+          <a:fontRef idx="minor">
+            <a:schemeClr val="lt1"/>
+          </a:fontRef>
+        </p:style>
+        <p:txBody>
+          <a:bodyPr rtlCol="0" anchor="ctr"/>
+          <a:lstStyle/>
+          <a:p>
+            <a:pPr algn="ctr"/>
+            <a:endParaRPr lang="en-US"/>
+          </a:p>
+        </p:txBody>
+      </p:sp>
+      <p:sp>
+        <p:nvSpPr>
+          <p:cNvPr id="11" name="Rectangle 10">
+            <a:extLst>
+              <a:ext uri="{FF2B5EF4-FFF2-40B4-BE49-F238E27FC236}">
+                <a16:creationId xmlns:a16="http://schemas.microsoft.com/office/drawing/2014/main" id="{C1DA66D2-DB0D-7309-7F70-E4B0C65E8DEF}"/>
+              </a:ext>
+            </a:extLst>
+          </p:cNvPr>
+          <p:cNvSpPr/>
+          <p:nvPr/>
+        </p:nvSpPr>
+        <p:spPr>
+          <a:xfrm>
+            <a:off x="10701495" y="1823620"/>
+            <a:ext cx="1057588" cy="666366"/>
+          </a:xfrm>
+          <a:prstGeom prst="rect">
+            <a:avLst/>
+          </a:prstGeom>
+          <a:solidFill>
+            <a:schemeClr val="accent1">
+              <a:lumMod val="20000"/>
+              <a:lumOff val="80000"/>
+            </a:schemeClr>
+          </a:solidFill>
+        </p:spPr>
+        <p:style>
+          <a:lnRef idx="2">
+            <a:schemeClr val="accent1">
+              <a:shade val="15000"/>
+            </a:schemeClr>
+          </a:lnRef>
+          <a:fillRef idx="1">
+            <a:schemeClr val="accent1"/>
+          </a:fillRef>
+          <a:effectRef idx="0">
+            <a:schemeClr val="accent1"/>
+          </a:effectRef>
+          <a:fontRef idx="minor">
+            <a:schemeClr val="lt1"/>
+          </a:fontRef>
+        </p:style>
+        <p:txBody>
+          <a:bodyPr rtlCol="0" anchor="ctr"/>
+          <a:lstStyle/>
+          <a:p>
+            <a:pPr algn="ctr"/>
+            <a:endParaRPr lang="en-US"/>
+          </a:p>
+        </p:txBody>
+      </p:sp>
+      <p:pic>
+        <p:nvPicPr>
+          <p:cNvPr id="12" name="Graphic 11">
+            <a:extLst>
+              <a:ext uri="{FF2B5EF4-FFF2-40B4-BE49-F238E27FC236}">
+                <a16:creationId xmlns:a16="http://schemas.microsoft.com/office/drawing/2014/main" id="{DAB7287D-985F-B4BA-2736-59712B268960}"/>
+              </a:ext>
+            </a:extLst>
+          </p:cNvPr>
+          <p:cNvPicPr>
+            <a:picLocks noChangeAspect="1"/>
+          </p:cNvPicPr>
+          <p:nvPr/>
+        </p:nvPicPr>
+        <p:blipFill>
+          <a:blip r:embed="rId3">
+            <a:extLst>
+              <a:ext uri="{96DAC541-7B7A-43D3-8B79-37D633B846F1}">
+                <asvg:svgBlip xmlns:asvg="http://schemas.microsoft.com/office/drawing/2016/SVG/main" r:embed="rId4"/>
+              </a:ext>
+            </a:extLst>
+          </a:blip>
+          <a:stretch>
+            <a:fillRect/>
+          </a:stretch>
+        </p:blipFill>
+        <p:spPr>
+          <a:xfrm>
+            <a:off x="8422723" y="1972137"/>
+            <a:ext cx="387475" cy="387475"/>
+          </a:xfrm>
+          <a:prstGeom prst="rect">
+            <a:avLst/>
+          </a:prstGeom>
+        </p:spPr>
+      </p:pic>
+      <p:pic>
+        <p:nvPicPr>
+          <p:cNvPr id="13" name="Graphic 12">
+            <a:extLst>
+              <a:ext uri="{FF2B5EF4-FFF2-40B4-BE49-F238E27FC236}">
+                <a16:creationId xmlns:a16="http://schemas.microsoft.com/office/drawing/2014/main" id="{63B45EE7-A513-91BF-8C8F-2E409F43CE60}"/>
+              </a:ext>
+            </a:extLst>
+          </p:cNvPr>
+          <p:cNvPicPr>
+            <a:picLocks noChangeAspect="1"/>
+          </p:cNvPicPr>
+          <p:nvPr/>
+        </p:nvPicPr>
+        <p:blipFill>
+          <a:blip r:embed="rId5">
+            <a:extLst>
+              <a:ext uri="{96DAC541-7B7A-43D3-8B79-37D633B846F1}">
+                <asvg:svgBlip xmlns:asvg="http://schemas.microsoft.com/office/drawing/2016/SVG/main" r:embed="rId6"/>
+              </a:ext>
+            </a:extLst>
+          </a:blip>
+          <a:stretch>
+            <a:fillRect/>
+          </a:stretch>
+        </p:blipFill>
+        <p:spPr>
+          <a:xfrm>
+            <a:off x="9536083" y="1972136"/>
+            <a:ext cx="387475" cy="360489"/>
+          </a:xfrm>
+          <a:prstGeom prst="rect">
+            <a:avLst/>
+          </a:prstGeom>
+        </p:spPr>
+      </p:pic>
+      <p:pic>
+        <p:nvPicPr>
+          <p:cNvPr id="14" name="Graphic 13">
+            <a:extLst>
+              <a:ext uri="{FF2B5EF4-FFF2-40B4-BE49-F238E27FC236}">
+                <a16:creationId xmlns:a16="http://schemas.microsoft.com/office/drawing/2014/main" id="{1325A46F-9614-B563-5DF8-D964476C1549}"/>
+              </a:ext>
+            </a:extLst>
+          </p:cNvPr>
+          <p:cNvPicPr>
+            <a:picLocks noChangeAspect="1"/>
+          </p:cNvPicPr>
+          <p:nvPr/>
+        </p:nvPicPr>
+        <p:blipFill>
+          <a:blip r:embed="rId7">
+            <a:extLst>
+              <a:ext uri="{96DAC541-7B7A-43D3-8B79-37D633B846F1}">
+                <asvg:svgBlip xmlns:asvg="http://schemas.microsoft.com/office/drawing/2016/SVG/main" r:embed="rId8"/>
+              </a:ext>
+            </a:extLst>
+          </a:blip>
+          <a:stretch>
+            <a:fillRect/>
+          </a:stretch>
+        </p:blipFill>
+        <p:spPr>
+          <a:xfrm>
+            <a:off x="11050044" y="1972137"/>
+            <a:ext cx="360489" cy="360489"/>
+          </a:xfrm>
+          <a:prstGeom prst="rect">
+            <a:avLst/>
+          </a:prstGeom>
+        </p:spPr>
+      </p:pic>
+      <p:sp>
+        <p:nvSpPr>
+          <p:cNvPr id="15" name="Rectangle 14">
+            <a:extLst>
+              <a:ext uri="{FF2B5EF4-FFF2-40B4-BE49-F238E27FC236}">
+                <a16:creationId xmlns:a16="http://schemas.microsoft.com/office/drawing/2014/main" id="{1878CA19-7B82-648A-A417-7F5C8C15F78E}"/>
+              </a:ext>
+            </a:extLst>
+          </p:cNvPr>
+          <p:cNvSpPr/>
+          <p:nvPr/>
+        </p:nvSpPr>
+        <p:spPr>
+          <a:xfrm>
+            <a:off x="9953836" y="3429000"/>
+            <a:ext cx="1761598" cy="955821"/>
+          </a:xfrm>
+          <a:prstGeom prst="rect">
+            <a:avLst/>
+          </a:prstGeom>
+          <a:solidFill>
+            <a:schemeClr val="accent1">
+              <a:lumMod val="20000"/>
+              <a:lumOff val="80000"/>
+            </a:schemeClr>
+          </a:solidFill>
+        </p:spPr>
+        <p:style>
+          <a:lnRef idx="2">
+            <a:schemeClr val="accent1">
+              <a:shade val="15000"/>
+            </a:schemeClr>
+          </a:lnRef>
+          <a:fillRef idx="1">
+            <a:schemeClr val="accent1"/>
+          </a:fillRef>
+          <a:effectRef idx="0">
+            <a:schemeClr val="accent1"/>
+          </a:effectRef>
+          <a:fontRef idx="minor">
+            <a:schemeClr val="lt1"/>
+          </a:fontRef>
+        </p:style>
+        <p:txBody>
+          <a:bodyPr rtlCol="0" anchor="ctr"/>
+          <a:lstStyle/>
+          <a:p>
+            <a:pPr algn="ctr"/>
+            <a:endParaRPr lang="en-US"/>
+          </a:p>
+        </p:txBody>
+      </p:sp>
+      <p:sp>
+        <p:nvSpPr>
+          <p:cNvPr id="16" name="Rectangle 15">
+            <a:extLst>
+              <a:ext uri="{FF2B5EF4-FFF2-40B4-BE49-F238E27FC236}">
+                <a16:creationId xmlns:a16="http://schemas.microsoft.com/office/drawing/2014/main" id="{E48BE28D-05CA-3BB1-B22B-64AA1BF50BCA}"/>
+              </a:ext>
+            </a:extLst>
+          </p:cNvPr>
+          <p:cNvSpPr/>
+          <p:nvPr/>
+        </p:nvSpPr>
+        <p:spPr>
+          <a:xfrm>
+            <a:off x="9101051" y="3412754"/>
+            <a:ext cx="761895" cy="955821"/>
+          </a:xfrm>
+          <a:prstGeom prst="rect">
+            <a:avLst/>
+          </a:prstGeom>
+          <a:solidFill>
+            <a:schemeClr val="accent1">
+              <a:lumMod val="20000"/>
+              <a:lumOff val="80000"/>
+            </a:schemeClr>
+          </a:solidFill>
+        </p:spPr>
+        <p:style>
+          <a:lnRef idx="2">
+            <a:schemeClr val="accent1">
+              <a:shade val="15000"/>
+            </a:schemeClr>
+          </a:lnRef>
+          <a:fillRef idx="1">
+            <a:schemeClr val="accent1"/>
+          </a:fillRef>
+          <a:effectRef idx="0">
+            <a:schemeClr val="accent1"/>
+          </a:effectRef>
+          <a:fontRef idx="minor">
+            <a:schemeClr val="lt1"/>
+          </a:fontRef>
+        </p:style>
+        <p:txBody>
+          <a:bodyPr rtlCol="0" anchor="ctr"/>
+          <a:lstStyle/>
+          <a:p>
+            <a:pPr algn="ctr"/>
+            <a:endParaRPr lang="en-US"/>
+          </a:p>
+        </p:txBody>
+      </p:sp>
+      <p:sp>
+        <p:nvSpPr>
+          <p:cNvPr id="17" name="Rectangle 16">
+            <a:extLst>
+              <a:ext uri="{FF2B5EF4-FFF2-40B4-BE49-F238E27FC236}">
+                <a16:creationId xmlns:a16="http://schemas.microsoft.com/office/drawing/2014/main" id="{AE1004AD-70ED-71C2-3F4E-8F0EBBD12E5E}"/>
+              </a:ext>
+            </a:extLst>
+          </p:cNvPr>
+          <p:cNvSpPr/>
+          <p:nvPr/>
+        </p:nvSpPr>
+        <p:spPr>
+          <a:xfrm>
+            <a:off x="8094626" y="3429000"/>
+            <a:ext cx="960980" cy="955821"/>
+          </a:xfrm>
+          <a:prstGeom prst="rect">
+            <a:avLst/>
+          </a:prstGeom>
+          <a:solidFill>
+            <a:schemeClr val="accent1">
+              <a:lumMod val="20000"/>
+              <a:lumOff val="80000"/>
+            </a:schemeClr>
+          </a:solidFill>
+        </p:spPr>
+        <p:style>
+          <a:lnRef idx="2">
+            <a:schemeClr val="accent1">
+              <a:shade val="15000"/>
+            </a:schemeClr>
+          </a:lnRef>
+          <a:fillRef idx="1">
+            <a:schemeClr val="accent1"/>
+          </a:fillRef>
+          <a:effectRef idx="0">
+            <a:schemeClr val="accent1"/>
+          </a:effectRef>
+          <a:fontRef idx="minor">
+            <a:schemeClr val="lt1"/>
+          </a:fontRef>
+        </p:style>
+        <p:txBody>
+          <a:bodyPr rtlCol="0" anchor="ctr"/>
+          <a:lstStyle/>
+          <a:p>
+            <a:pPr algn="ctr"/>
+            <a:endParaRPr lang="en-US"/>
+          </a:p>
+        </p:txBody>
+      </p:sp>
+      <p:pic>
+        <p:nvPicPr>
+          <p:cNvPr id="18" name="Graphic 17">
+            <a:extLst>
+              <a:ext uri="{FF2B5EF4-FFF2-40B4-BE49-F238E27FC236}">
+                <a16:creationId xmlns:a16="http://schemas.microsoft.com/office/drawing/2014/main" id="{BB4344C9-F776-2B2C-4035-E7A65EBC8CF1}"/>
+              </a:ext>
+            </a:extLst>
+          </p:cNvPr>
+          <p:cNvPicPr>
+            <a:picLocks noChangeAspect="1"/>
+          </p:cNvPicPr>
+          <p:nvPr/>
+        </p:nvPicPr>
+        <p:blipFill>
+          <a:blip r:embed="rId3">
+            <a:extLst>
+              <a:ext uri="{96DAC541-7B7A-43D3-8B79-37D633B846F1}">
+                <asvg:svgBlip xmlns:asvg="http://schemas.microsoft.com/office/drawing/2016/SVG/main" r:embed="rId4"/>
+              </a:ext>
+            </a:extLst>
+          </a:blip>
+          <a:stretch>
+            <a:fillRect/>
+          </a:stretch>
+        </p:blipFill>
+        <p:spPr>
+          <a:xfrm>
+            <a:off x="8381378" y="3673828"/>
+            <a:ext cx="387475" cy="387475"/>
+          </a:xfrm>
+          <a:prstGeom prst="rect">
+            <a:avLst/>
+          </a:prstGeom>
+        </p:spPr>
+      </p:pic>
+      <p:pic>
+        <p:nvPicPr>
+          <p:cNvPr id="19" name="Graphic 18">
+            <a:extLst>
+              <a:ext uri="{FF2B5EF4-FFF2-40B4-BE49-F238E27FC236}">
+                <a16:creationId xmlns:a16="http://schemas.microsoft.com/office/drawing/2014/main" id="{984E979E-AF33-5FB7-A53A-83E7EE537D32}"/>
+              </a:ext>
+            </a:extLst>
+          </p:cNvPr>
+          <p:cNvPicPr>
+            <a:picLocks noChangeAspect="1"/>
+          </p:cNvPicPr>
+          <p:nvPr/>
+        </p:nvPicPr>
+        <p:blipFill>
+          <a:blip r:embed="rId5">
+            <a:extLst>
+              <a:ext uri="{96DAC541-7B7A-43D3-8B79-37D633B846F1}">
+                <asvg:svgBlip xmlns:asvg="http://schemas.microsoft.com/office/drawing/2016/SVG/main" r:embed="rId6"/>
+              </a:ext>
+            </a:extLst>
+          </a:blip>
+          <a:stretch>
+            <a:fillRect/>
+          </a:stretch>
+        </p:blipFill>
+        <p:spPr>
+          <a:xfrm>
+            <a:off x="9262527" y="3726665"/>
+            <a:ext cx="387475" cy="360489"/>
+          </a:xfrm>
+          <a:prstGeom prst="rect">
+            <a:avLst/>
+          </a:prstGeom>
+        </p:spPr>
+      </p:pic>
+      <p:pic>
+        <p:nvPicPr>
+          <p:cNvPr id="20" name="Graphic 19">
+            <a:extLst>
+              <a:ext uri="{FF2B5EF4-FFF2-40B4-BE49-F238E27FC236}">
+                <a16:creationId xmlns:a16="http://schemas.microsoft.com/office/drawing/2014/main" id="{102FE858-D791-A880-06D5-799B681E50F4}"/>
+              </a:ext>
+            </a:extLst>
+          </p:cNvPr>
+          <p:cNvPicPr>
+            <a:picLocks noChangeAspect="1"/>
+          </p:cNvPicPr>
+          <p:nvPr/>
+        </p:nvPicPr>
+        <p:blipFill>
+          <a:blip r:embed="rId7">
+            <a:extLst>
+              <a:ext uri="{96DAC541-7B7A-43D3-8B79-37D633B846F1}">
+                <asvg:svgBlip xmlns:asvg="http://schemas.microsoft.com/office/drawing/2016/SVG/main" r:embed="rId8"/>
+              </a:ext>
+            </a:extLst>
+          </a:blip>
+          <a:stretch>
+            <a:fillRect/>
+          </a:stretch>
+        </p:blipFill>
+        <p:spPr>
+          <a:xfrm>
+            <a:off x="10580931" y="3728698"/>
+            <a:ext cx="360489" cy="360489"/>
+          </a:xfrm>
+          <a:prstGeom prst="rect">
+            <a:avLst/>
+          </a:prstGeom>
+        </p:spPr>
+      </p:pic>
     </p:spTree>
     <p:extLst>
       <p:ext uri="{BB962C8B-B14F-4D97-AF65-F5344CB8AC3E}">
@@ -11749,7 +13087,7 @@
       </p:sp>
       <p:pic>
         <p:nvPicPr>
-          <p:cNvPr id="15" name="Content Placeholder 14" descr="A close-up of a machine&#10;&#10;AI-generated content may be incorrect.">
+          <p:cNvPr id="15" name="Content Placeholder 14">
             <a:extLst>
               <a:ext uri="{FF2B5EF4-FFF2-40B4-BE49-F238E27FC236}">
                 <a16:creationId xmlns:a16="http://schemas.microsoft.com/office/drawing/2014/main" id="{BBC792B6-FF89-0EAD-9A26-332E0CC2D333}"/>
@@ -11771,9 +13109,8 @@
               </a:ext>
             </a:extLst>
           </a:blip>
-          <a:stretch>
-            <a:fillRect/>
-          </a:stretch>
+          <a:srcRect/>
+          <a:stretch/>
         </p:blipFill>
         <p:spPr>
           <a:xfrm>
@@ -11995,7 +13332,7 @@
       </p:sp>
       <p:pic>
         <p:nvPicPr>
-          <p:cNvPr id="8" name="Content Placeholder 7" descr="A group of people working in a room&#10;&#10;AI-generated content may be incorrect.">
+          <p:cNvPr id="8" name="Content Placeholder 7">
             <a:extLst>
               <a:ext uri="{FF2B5EF4-FFF2-40B4-BE49-F238E27FC236}">
                 <a16:creationId xmlns:a16="http://schemas.microsoft.com/office/drawing/2014/main" id="{AC9D41C5-C4A2-E6D2-6985-79B2C5E1FAB0}"/>
@@ -12017,9 +13354,8 @@
               </a:ext>
             </a:extLst>
           </a:blip>
-          <a:stretch>
-            <a:fillRect/>
-          </a:stretch>
+          <a:srcRect/>
+          <a:stretch/>
         </p:blipFill>
         <p:spPr>
           <a:xfrm>
@@ -12250,9 +13586,16 @@
             <p:ph idx="1"/>
           </p:nvPr>
         </p:nvSpPr>
-        <p:spPr/>
-        <p:txBody>
-          <a:bodyPr/>
+        <p:spPr>
+          <a:xfrm>
+            <a:off x="838200" y="1825625"/>
+            <a:ext cx="7219950" cy="4351338"/>
+          </a:xfrm>
+        </p:spPr>
+        <p:txBody>
+          <a:bodyPr>
+            <a:normAutofit fontScale="92500" lnSpcReduction="10000"/>
+          </a:bodyPr>
           <a:lstStyle/>
           <a:p>
             <a:r>
@@ -12287,6 +13630,156 @@
             </a:r>
           </a:p>
           <a:p>
+            <a:endParaRPr lang="en-US" dirty="0"/>
+          </a:p>
+        </p:txBody>
+      </p:sp>
+      <p:pic>
+        <p:nvPicPr>
+          <p:cNvPr id="5" name="Picture 4" descr="A group of people standing in a room&#10;&#10;AI-generated content may be incorrect.">
+            <a:extLst>
+              <a:ext uri="{FF2B5EF4-FFF2-40B4-BE49-F238E27FC236}">
+                <a16:creationId xmlns:a16="http://schemas.microsoft.com/office/drawing/2014/main" id="{176E8424-DC2A-0725-27AF-128A93D2854C}"/>
+              </a:ext>
+            </a:extLst>
+          </p:cNvPr>
+          <p:cNvPicPr>
+            <a:picLocks noChangeAspect="1"/>
+          </p:cNvPicPr>
+          <p:nvPr/>
+        </p:nvPicPr>
+        <p:blipFill>
+          <a:blip r:embed="rId3">
+            <a:extLst>
+              <a:ext uri="{28A0092B-C50C-407E-A947-70E740481C1C}">
+                <a14:useLocalDpi xmlns:a14="http://schemas.microsoft.com/office/drawing/2010/main" val="0"/>
+              </a:ext>
+            </a:extLst>
+          </a:blip>
+          <a:stretch>
+            <a:fillRect/>
+          </a:stretch>
+        </p:blipFill>
+        <p:spPr>
+          <a:xfrm>
+            <a:off x="8388960" y="4029701"/>
+            <a:ext cx="2979860" cy="2330251"/>
+          </a:xfrm>
+          <a:prstGeom prst="rect">
+            <a:avLst/>
+          </a:prstGeom>
+        </p:spPr>
+      </p:pic>
+      <p:pic>
+        <p:nvPicPr>
+          <p:cNvPr id="7" name="Picture 6" descr="A room with several blue and white machines&#10;&#10;AI-generated content may be incorrect.">
+            <a:extLst>
+              <a:ext uri="{FF2B5EF4-FFF2-40B4-BE49-F238E27FC236}">
+                <a16:creationId xmlns:a16="http://schemas.microsoft.com/office/drawing/2014/main" id="{CD18D8F4-1A12-239A-25A8-62A10498FE70}"/>
+              </a:ext>
+            </a:extLst>
+          </p:cNvPr>
+          <p:cNvPicPr>
+            <a:picLocks noChangeAspect="1"/>
+          </p:cNvPicPr>
+          <p:nvPr/>
+        </p:nvPicPr>
+        <p:blipFill>
+          <a:blip r:embed="rId4">
+            <a:extLst>
+              <a:ext uri="{28A0092B-C50C-407E-A947-70E740481C1C}">
+                <a14:useLocalDpi xmlns:a14="http://schemas.microsoft.com/office/drawing/2010/main" val="0"/>
+              </a:ext>
+            </a:extLst>
+          </a:blip>
+          <a:stretch>
+            <a:fillRect/>
+          </a:stretch>
+        </p:blipFill>
+        <p:spPr>
+          <a:xfrm>
+            <a:off x="8373940" y="1499187"/>
+            <a:ext cx="2979860" cy="2062063"/>
+          </a:xfrm>
+          <a:prstGeom prst="rect">
+            <a:avLst/>
+          </a:prstGeom>
+        </p:spPr>
+      </p:pic>
+      <p:sp>
+        <p:nvSpPr>
+          <p:cNvPr id="9" name="TextBox 8">
+            <a:extLst>
+              <a:ext uri="{FF2B5EF4-FFF2-40B4-BE49-F238E27FC236}">
+                <a16:creationId xmlns:a16="http://schemas.microsoft.com/office/drawing/2014/main" id="{A7BB9B45-1840-2CE9-1F51-E5390350E376}"/>
+              </a:ext>
+            </a:extLst>
+          </p:cNvPr>
+          <p:cNvSpPr txBox="1"/>
+          <p:nvPr/>
+        </p:nvSpPr>
+        <p:spPr>
+          <a:xfrm>
+            <a:off x="7459541" y="3561250"/>
+            <a:ext cx="2979860" cy="369332"/>
+          </a:xfrm>
+          <a:prstGeom prst="rect">
+            <a:avLst/>
+          </a:prstGeom>
+          <a:noFill/>
+        </p:spPr>
+        <p:txBody>
+          <a:bodyPr wrap="square">
+            <a:spAutoFit/>
+          </a:bodyPr>
+          <a:lstStyle/>
+          <a:p>
+            <a:pPr algn="ctr"/>
+            <a:r>
+              <a:rPr lang="ru-RU" b="0" dirty="0"/>
+              <a:t>IBM 1401</a:t>
+            </a:r>
+            <a:endParaRPr lang="en-US" dirty="0"/>
+          </a:p>
+        </p:txBody>
+      </p:sp>
+      <p:sp>
+        <p:nvSpPr>
+          <p:cNvPr id="10" name="TextBox 9">
+            <a:extLst>
+              <a:ext uri="{FF2B5EF4-FFF2-40B4-BE49-F238E27FC236}">
+                <a16:creationId xmlns:a16="http://schemas.microsoft.com/office/drawing/2014/main" id="{97BF5409-606E-20F7-7B0D-DC4FFEEE1308}"/>
+              </a:ext>
+            </a:extLst>
+          </p:cNvPr>
+          <p:cNvSpPr txBox="1"/>
+          <p:nvPr/>
+        </p:nvSpPr>
+        <p:spPr>
+          <a:xfrm>
+            <a:off x="8388960" y="6308209"/>
+            <a:ext cx="2979860" cy="369332"/>
+          </a:xfrm>
+          <a:prstGeom prst="rect">
+            <a:avLst/>
+          </a:prstGeom>
+          <a:noFill/>
+        </p:spPr>
+        <p:txBody>
+          <a:bodyPr wrap="square">
+            <a:spAutoFit/>
+          </a:bodyPr>
+          <a:lstStyle/>
+          <a:p>
+            <a:pPr algn="ctr"/>
+            <a:r>
+              <a:rPr lang="ru-RU" b="0" dirty="0"/>
+              <a:t>IBM </a:t>
+            </a:r>
+            <a:r>
+              <a:rPr lang="en-US" b="0" dirty="0"/>
+              <a:t>7090</a:t>
+            </a:r>
             <a:endParaRPr lang="en-US" dirty="0"/>
           </a:p>
         </p:txBody>
@@ -12428,7 +13921,7 @@
           <a:p>
             <a:r>
               <a:rPr lang="ru-RU" dirty="0"/>
-              <a:t>О чём курс</a:t>
+              <a:t>О чём курс «Операционные системы и сети»</a:t>
             </a:r>
             <a:endParaRPr lang="en-US" dirty="0"/>
           </a:p>
@@ -12453,9 +13946,21 @@
         <p:spPr/>
         <p:txBody>
           <a:bodyPr>
-            <a:normAutofit/>
+            <a:normAutofit fontScale="92500" lnSpcReduction="10000"/>
           </a:bodyPr>
           <a:lstStyle/>
+          <a:p>
+            <a:r>
+              <a:rPr lang="ru-RU" dirty="0"/>
+              <a:t>Операционная система — это основа работы компьютеров от ноутбуков и телефонов до серверов и встраиваемых устройств</a:t>
+            </a:r>
+          </a:p>
+          <a:p>
+            <a:r>
+              <a:rPr lang="ru-RU" dirty="0"/>
+              <a:t>Сети позволяют этим устройствам взаимодействовать между собой</a:t>
+            </a:r>
+          </a:p>
           <a:p>
             <a:r>
               <a:rPr lang="ru-RU" dirty="0"/>
@@ -12842,10 +14347,15 @@
             <p:ph idx="1"/>
           </p:nvPr>
         </p:nvSpPr>
-        <p:spPr/>
+        <p:spPr>
+          <a:xfrm>
+            <a:off x="838200" y="1825625"/>
+            <a:ext cx="6057900" cy="4351338"/>
+          </a:xfrm>
+        </p:spPr>
         <p:txBody>
           <a:bodyPr>
-            <a:normAutofit/>
+            <a:normAutofit fontScale="92500" lnSpcReduction="10000"/>
           </a:bodyPr>
           <a:lstStyle/>
           <a:p>
@@ -12946,6 +14456,77 @@
               <a:t>и встроенных систем.</a:t>
             </a:r>
             <a:endParaRPr lang="en-US" dirty="0"/>
+          </a:p>
+        </p:txBody>
+      </p:sp>
+      <p:pic>
+        <p:nvPicPr>
+          <p:cNvPr id="5" name="Picture 4" descr="PDP 7">
+            <a:extLst>
+              <a:ext uri="{FF2B5EF4-FFF2-40B4-BE49-F238E27FC236}">
+                <a16:creationId xmlns:a16="http://schemas.microsoft.com/office/drawing/2014/main" id="{46C7D3C4-9598-B974-B6EF-6C9EE546437B}"/>
+              </a:ext>
+            </a:extLst>
+          </p:cNvPr>
+          <p:cNvPicPr>
+            <a:picLocks noChangeAspect="1"/>
+          </p:cNvPicPr>
+          <p:nvPr/>
+        </p:nvPicPr>
+        <p:blipFill>
+          <a:blip r:embed="rId3">
+            <a:extLst>
+              <a:ext uri="{28A0092B-C50C-407E-A947-70E740481C1C}">
+                <a14:useLocalDpi xmlns:a14="http://schemas.microsoft.com/office/drawing/2010/main" val="0"/>
+              </a:ext>
+            </a:extLst>
+          </a:blip>
+          <a:stretch>
+            <a:fillRect/>
+          </a:stretch>
+        </p:blipFill>
+        <p:spPr>
+          <a:xfrm>
+            <a:off x="7162800" y="1825625"/>
+            <a:ext cx="4762500" cy="3762375"/>
+          </a:xfrm>
+          <a:prstGeom prst="rect">
+            <a:avLst/>
+          </a:prstGeom>
+        </p:spPr>
+      </p:pic>
+      <p:sp>
+        <p:nvSpPr>
+          <p:cNvPr id="6" name="TextBox 5">
+            <a:extLst>
+              <a:ext uri="{FF2B5EF4-FFF2-40B4-BE49-F238E27FC236}">
+                <a16:creationId xmlns:a16="http://schemas.microsoft.com/office/drawing/2014/main" id="{830B5876-4604-1040-5B6C-49904E93732D}"/>
+              </a:ext>
+            </a:extLst>
+          </p:cNvPr>
+          <p:cNvSpPr txBox="1"/>
+          <p:nvPr/>
+        </p:nvSpPr>
+        <p:spPr>
+          <a:xfrm>
+            <a:off x="8763000" y="5644634"/>
+            <a:ext cx="2343150" cy="369332"/>
+          </a:xfrm>
+          <a:prstGeom prst="rect">
+            <a:avLst/>
+          </a:prstGeom>
+          <a:noFill/>
+        </p:spPr>
+        <p:txBody>
+          <a:bodyPr wrap="square" rtlCol="0">
+            <a:spAutoFit/>
+          </a:bodyPr>
+          <a:lstStyle/>
+          <a:p>
+            <a:r>
+              <a:rPr lang="en-US" dirty="0"/>
+              <a:t>PDP-7</a:t>
+            </a:r>
           </a:p>
         </p:txBody>
       </p:sp>
@@ -13280,7 +14861,12 @@
             <p:ph idx="1"/>
           </p:nvPr>
         </p:nvSpPr>
-        <p:spPr/>
+        <p:spPr>
+          <a:xfrm>
+            <a:off x="838200" y="1825625"/>
+            <a:ext cx="6877050" cy="4351338"/>
+          </a:xfrm>
+        </p:spPr>
         <p:txBody>
           <a:bodyPr/>
           <a:lstStyle/>
@@ -13334,6 +14920,77 @@
             <a:r>
               <a:rPr lang="en-US" dirty="0"/>
               <a:t> MS DOS</a:t>
+            </a:r>
+          </a:p>
+        </p:txBody>
+      </p:sp>
+      <p:pic>
+        <p:nvPicPr>
+          <p:cNvPr id="5" name="Picture 4">
+            <a:extLst>
+              <a:ext uri="{FF2B5EF4-FFF2-40B4-BE49-F238E27FC236}">
+                <a16:creationId xmlns:a16="http://schemas.microsoft.com/office/drawing/2014/main" id="{681DB678-3935-A80A-C744-788C149DD841}"/>
+              </a:ext>
+            </a:extLst>
+          </p:cNvPr>
+          <p:cNvPicPr>
+            <a:picLocks noChangeAspect="1"/>
+          </p:cNvPicPr>
+          <p:nvPr/>
+        </p:nvPicPr>
+        <p:blipFill>
+          <a:blip r:embed="rId3">
+            <a:extLst>
+              <a:ext uri="{28A0092B-C50C-407E-A947-70E740481C1C}">
+                <a14:useLocalDpi xmlns:a14="http://schemas.microsoft.com/office/drawing/2010/main" val="0"/>
+              </a:ext>
+            </a:extLst>
+          </a:blip>
+          <a:stretch>
+            <a:fillRect/>
+          </a:stretch>
+        </p:blipFill>
+        <p:spPr>
+          <a:xfrm>
+            <a:off x="7613664" y="1690689"/>
+            <a:ext cx="4292585" cy="3871912"/>
+          </a:xfrm>
+          <a:prstGeom prst="rect">
+            <a:avLst/>
+          </a:prstGeom>
+        </p:spPr>
+      </p:pic>
+      <p:sp>
+        <p:nvSpPr>
+          <p:cNvPr id="6" name="TextBox 5">
+            <a:extLst>
+              <a:ext uri="{FF2B5EF4-FFF2-40B4-BE49-F238E27FC236}">
+                <a16:creationId xmlns:a16="http://schemas.microsoft.com/office/drawing/2014/main" id="{80964D00-796A-CFF1-1D0E-E556CF5FFD4C}"/>
+              </a:ext>
+            </a:extLst>
+          </p:cNvPr>
+          <p:cNvSpPr txBox="1"/>
+          <p:nvPr/>
+        </p:nvSpPr>
+        <p:spPr>
+          <a:xfrm>
+            <a:off x="7962900" y="5734050"/>
+            <a:ext cx="3390900" cy="369332"/>
+          </a:xfrm>
+          <a:prstGeom prst="rect">
+            <a:avLst/>
+          </a:prstGeom>
+          <a:noFill/>
+        </p:spPr>
+        <p:txBody>
+          <a:bodyPr wrap="square" rtlCol="0">
+            <a:spAutoFit/>
+          </a:bodyPr>
+          <a:lstStyle/>
+          <a:p>
+            <a:r>
+              <a:rPr lang="en-US" dirty="0"/>
+              <a:t>Altair 8800</a:t>
             </a:r>
           </a:p>
         </p:txBody>
@@ -13416,9 +15073,16 @@
             <p:ph idx="1"/>
           </p:nvPr>
         </p:nvSpPr>
-        <p:spPr/>
-        <p:txBody>
-          <a:bodyPr/>
+        <p:spPr>
+          <a:xfrm>
+            <a:off x="838200" y="1825625"/>
+            <a:ext cx="7410450" cy="4351338"/>
+          </a:xfrm>
+        </p:spPr>
+        <p:txBody>
+          <a:bodyPr>
+            <a:normAutofit fontScale="92500" lnSpcReduction="10000"/>
+          </a:bodyPr>
           <a:lstStyle/>
           <a:p>
             <a:r>
@@ -13505,6 +15169,42 @@
           </a:p>
         </p:txBody>
       </p:sp>
+      <p:pic>
+        <p:nvPicPr>
+          <p:cNvPr id="5" name="Picture 4" descr="A collage of different computers&#10;&#10;AI-generated content may be incorrect.">
+            <a:extLst>
+              <a:ext uri="{FF2B5EF4-FFF2-40B4-BE49-F238E27FC236}">
+                <a16:creationId xmlns:a16="http://schemas.microsoft.com/office/drawing/2014/main" id="{671C60FB-6C6D-CCE2-A4DD-6F7E3B946623}"/>
+              </a:ext>
+            </a:extLst>
+          </p:cNvPr>
+          <p:cNvPicPr>
+            <a:picLocks noChangeAspect="1"/>
+          </p:cNvPicPr>
+          <p:nvPr/>
+        </p:nvPicPr>
+        <p:blipFill>
+          <a:blip r:embed="rId3">
+            <a:extLst>
+              <a:ext uri="{28A0092B-C50C-407E-A947-70E740481C1C}">
+                <a14:useLocalDpi xmlns:a14="http://schemas.microsoft.com/office/drawing/2010/main" val="0"/>
+              </a:ext>
+            </a:extLst>
+          </a:blip>
+          <a:stretch>
+            <a:fillRect/>
+          </a:stretch>
+        </p:blipFill>
+        <p:spPr>
+          <a:xfrm>
+            <a:off x="8520430" y="1825626"/>
+            <a:ext cx="3481070" cy="4351338"/>
+          </a:xfrm>
+          <a:prstGeom prst="rect">
+            <a:avLst/>
+          </a:prstGeom>
+        </p:spPr>
+      </p:pic>
     </p:spTree>
     <p:extLst>
       <p:ext uri="{BB962C8B-B14F-4D97-AF65-F5344CB8AC3E}">
@@ -13579,9 +15279,16 @@
             <p:ph idx="1"/>
           </p:nvPr>
         </p:nvSpPr>
-        <p:spPr/>
-        <p:txBody>
-          <a:bodyPr/>
+        <p:spPr>
+          <a:xfrm>
+            <a:off x="838200" y="1825625"/>
+            <a:ext cx="6191250" cy="4351338"/>
+          </a:xfrm>
+        </p:spPr>
+        <p:txBody>
+          <a:bodyPr>
+            <a:normAutofit/>
+          </a:bodyPr>
           <a:lstStyle/>
           <a:p>
             <a:r>
@@ -13646,6 +15353,42 @@
           </a:p>
         </p:txBody>
       </p:sp>
+      <p:pic>
+        <p:nvPicPr>
+          <p:cNvPr id="8" name="Picture 7" descr="A computer screen with a green arrow pointing to a computer monitor&#10;&#10;AI-generated content may be incorrect.">
+            <a:extLst>
+              <a:ext uri="{FF2B5EF4-FFF2-40B4-BE49-F238E27FC236}">
+                <a16:creationId xmlns:a16="http://schemas.microsoft.com/office/drawing/2014/main" id="{54DD69FD-3726-EC99-99F5-97672D50236A}"/>
+              </a:ext>
+            </a:extLst>
+          </p:cNvPr>
+          <p:cNvPicPr>
+            <a:picLocks noChangeAspect="1"/>
+          </p:cNvPicPr>
+          <p:nvPr/>
+        </p:nvPicPr>
+        <p:blipFill>
+          <a:blip r:embed="rId3">
+            <a:extLst>
+              <a:ext uri="{28A0092B-C50C-407E-A947-70E740481C1C}">
+                <a14:useLocalDpi xmlns:a14="http://schemas.microsoft.com/office/drawing/2010/main" val="0"/>
+              </a:ext>
+            </a:extLst>
+          </a:blip>
+          <a:stretch>
+            <a:fillRect/>
+          </a:stretch>
+        </p:blipFill>
+        <p:spPr>
+          <a:xfrm>
+            <a:off x="7368771" y="1825625"/>
+            <a:ext cx="4823229" cy="3617421"/>
+          </a:xfrm>
+          <a:prstGeom prst="rect">
+            <a:avLst/>
+          </a:prstGeom>
+        </p:spPr>
+      </p:pic>
     </p:spTree>
     <p:extLst>
       <p:ext uri="{BB962C8B-B14F-4D97-AF65-F5344CB8AC3E}">
@@ -13725,7 +15468,12 @@
             <p:ph idx="1"/>
           </p:nvPr>
         </p:nvSpPr>
-        <p:spPr/>
+        <p:spPr>
+          <a:xfrm>
+            <a:off x="838200" y="1825625"/>
+            <a:ext cx="5867400" cy="4351338"/>
+          </a:xfrm>
+        </p:spPr>
         <p:txBody>
           <a:bodyPr/>
           <a:lstStyle/>
@@ -13804,6 +15552,42 @@
           </a:p>
         </p:txBody>
       </p:sp>
+      <p:pic>
+        <p:nvPicPr>
+          <p:cNvPr id="5" name="Picture 4" descr="A screenshot of a computer&#10;&#10;AI-generated content may be incorrect.">
+            <a:extLst>
+              <a:ext uri="{FF2B5EF4-FFF2-40B4-BE49-F238E27FC236}">
+                <a16:creationId xmlns:a16="http://schemas.microsoft.com/office/drawing/2014/main" id="{6526F1A8-D255-D59B-7181-63FBA2646EBA}"/>
+              </a:ext>
+            </a:extLst>
+          </p:cNvPr>
+          <p:cNvPicPr>
+            <a:picLocks noChangeAspect="1"/>
+          </p:cNvPicPr>
+          <p:nvPr/>
+        </p:nvPicPr>
+        <p:blipFill>
+          <a:blip r:embed="rId3">
+            <a:extLst>
+              <a:ext uri="{28A0092B-C50C-407E-A947-70E740481C1C}">
+                <a14:useLocalDpi xmlns:a14="http://schemas.microsoft.com/office/drawing/2010/main" val="0"/>
+              </a:ext>
+            </a:extLst>
+          </a:blip>
+          <a:stretch>
+            <a:fillRect/>
+          </a:stretch>
+        </p:blipFill>
+        <p:spPr>
+          <a:xfrm>
+            <a:off x="6536267" y="2209800"/>
+            <a:ext cx="5655733" cy="3181350"/>
+          </a:xfrm>
+          <a:prstGeom prst="rect">
+            <a:avLst/>
+          </a:prstGeom>
+        </p:spPr>
+      </p:pic>
     </p:spTree>
     <p:extLst>
       <p:ext uri="{BB962C8B-B14F-4D97-AF65-F5344CB8AC3E}">
@@ -14003,7 +15787,7 @@
           <a:p>
             <a:r>
               <a:rPr lang="ru-RU" dirty="0"/>
-              <a:t>Вычислительные системы без ОС</a:t>
+              <a:t>Не все компьютеры имеют ОС</a:t>
             </a:r>
             <a:endParaRPr lang="en-US" dirty="0"/>
           </a:p>
@@ -14022,12 +15806,19 @@
             <a:spLocks noGrp="1"/>
           </p:cNvSpPr>
           <p:nvPr>
-            <p:ph idx="1"/>
-          </p:nvPr>
-        </p:nvSpPr>
-        <p:spPr/>
-        <p:txBody>
-          <a:bodyPr/>
+            <p:ph sz="half" idx="1"/>
+          </p:nvPr>
+        </p:nvSpPr>
+        <p:spPr>
+          <a:xfrm>
+            <a:off x="838200" y="1825625"/>
+            <a:ext cx="6578600" cy="4351338"/>
+          </a:xfrm>
+        </p:spPr>
+        <p:txBody>
+          <a:bodyPr>
+            <a:normAutofit fontScale="85000" lnSpcReduction="20000"/>
+          </a:bodyPr>
           <a:lstStyle/>
           <a:p>
             <a:r>
@@ -14078,6 +15869,40 @@
           </a:p>
         </p:txBody>
       </p:sp>
+      <p:pic>
+        <p:nvPicPr>
+          <p:cNvPr id="10" name="Content Placeholder 9">
+            <a:extLst>
+              <a:ext uri="{FF2B5EF4-FFF2-40B4-BE49-F238E27FC236}">
+                <a16:creationId xmlns:a16="http://schemas.microsoft.com/office/drawing/2014/main" id="{2577EFBD-77BD-8C01-ED9F-5160989EF60A}"/>
+              </a:ext>
+            </a:extLst>
+          </p:cNvPr>
+          <p:cNvPicPr>
+            <a:picLocks noGrp="1" noChangeAspect="1"/>
+          </p:cNvPicPr>
+          <p:nvPr>
+            <p:ph sz="half" idx="2"/>
+          </p:nvPr>
+        </p:nvPicPr>
+        <p:blipFill>
+          <a:blip r:embed="rId3">
+            <a:extLst>
+              <a:ext uri="{28A0092B-C50C-407E-A947-70E740481C1C}">
+                <a14:useLocalDpi xmlns:a14="http://schemas.microsoft.com/office/drawing/2010/main" val="0"/>
+              </a:ext>
+            </a:extLst>
+          </a:blip>
+          <a:srcRect/>
+          <a:stretch/>
+        </p:blipFill>
+        <p:spPr>
+          <a:xfrm>
+            <a:off x="7544990" y="2274094"/>
+            <a:ext cx="3808809" cy="2539206"/>
+          </a:xfrm>
+        </p:spPr>
+      </p:pic>
     </p:spTree>
     <p:extLst>
       <p:ext uri="{BB962C8B-B14F-4D97-AF65-F5344CB8AC3E}">
@@ -14088,6 +15913,369 @@
   <p:clrMapOvr>
     <a:masterClrMapping/>
   </p:clrMapOvr>
+  <p:timing>
+    <p:tnLst>
+      <p:par>
+        <p:cTn id="1" dur="indefinite" restart="never" nodeType="tmRoot">
+          <p:childTnLst>
+            <p:seq concurrent="1" nextAc="seek">
+              <p:cTn id="2" dur="indefinite" nodeType="mainSeq">
+                <p:childTnLst>
+                  <p:par>
+                    <p:cTn id="3" fill="hold">
+                      <p:stCondLst>
+                        <p:cond delay="indefinite"/>
+                      </p:stCondLst>
+                      <p:childTnLst>
+                        <p:par>
+                          <p:cTn id="4" fill="hold">
+                            <p:stCondLst>
+                              <p:cond delay="0"/>
+                            </p:stCondLst>
+                            <p:childTnLst>
+                              <p:par>
+                                <p:cTn id="5" presetID="10" presetClass="entr" presetSubtype="0" fill="hold" grpId="0" nodeType="clickEffect">
+                                  <p:stCondLst>
+                                    <p:cond delay="0"/>
+                                  </p:stCondLst>
+                                  <p:childTnLst>
+                                    <p:set>
+                                      <p:cBhvr>
+                                        <p:cTn id="6" dur="1" fill="hold">
+                                          <p:stCondLst>
+                                            <p:cond delay="0"/>
+                                          </p:stCondLst>
+                                        </p:cTn>
+                                        <p:tgtEl>
+                                          <p:spTgt spid="3">
+                                            <p:txEl>
+                                              <p:pRg st="0" end="0"/>
+                                            </p:txEl>
+                                          </p:spTgt>
+                                        </p:tgtEl>
+                                        <p:attrNameLst>
+                                          <p:attrName>style.visibility</p:attrName>
+                                        </p:attrNameLst>
+                                      </p:cBhvr>
+                                      <p:to>
+                                        <p:strVal val="visible"/>
+                                      </p:to>
+                                    </p:set>
+                                    <p:animEffect transition="in" filter="fade">
+                                      <p:cBhvr>
+                                        <p:cTn id="7" dur="500"/>
+                                        <p:tgtEl>
+                                          <p:spTgt spid="3">
+                                            <p:txEl>
+                                              <p:pRg st="0" end="0"/>
+                                            </p:txEl>
+                                          </p:spTgt>
+                                        </p:tgtEl>
+                                      </p:cBhvr>
+                                    </p:animEffect>
+                                  </p:childTnLst>
+                                </p:cTn>
+                              </p:par>
+                              <p:par>
+                                <p:cTn id="8" presetID="10" presetClass="entr" presetSubtype="0" fill="hold" grpId="0" nodeType="withEffect">
+                                  <p:stCondLst>
+                                    <p:cond delay="0"/>
+                                  </p:stCondLst>
+                                  <p:childTnLst>
+                                    <p:set>
+                                      <p:cBhvr>
+                                        <p:cTn id="9" dur="1" fill="hold">
+                                          <p:stCondLst>
+                                            <p:cond delay="0"/>
+                                          </p:stCondLst>
+                                        </p:cTn>
+                                        <p:tgtEl>
+                                          <p:spTgt spid="3">
+                                            <p:txEl>
+                                              <p:pRg st="1" end="1"/>
+                                            </p:txEl>
+                                          </p:spTgt>
+                                        </p:tgtEl>
+                                        <p:attrNameLst>
+                                          <p:attrName>style.visibility</p:attrName>
+                                        </p:attrNameLst>
+                                      </p:cBhvr>
+                                      <p:to>
+                                        <p:strVal val="visible"/>
+                                      </p:to>
+                                    </p:set>
+                                    <p:animEffect transition="in" filter="fade">
+                                      <p:cBhvr>
+                                        <p:cTn id="10" dur="500"/>
+                                        <p:tgtEl>
+                                          <p:spTgt spid="3">
+                                            <p:txEl>
+                                              <p:pRg st="1" end="1"/>
+                                            </p:txEl>
+                                          </p:spTgt>
+                                        </p:tgtEl>
+                                      </p:cBhvr>
+                                    </p:animEffect>
+                                  </p:childTnLst>
+                                </p:cTn>
+                              </p:par>
+                            </p:childTnLst>
+                          </p:cTn>
+                        </p:par>
+                      </p:childTnLst>
+                    </p:cTn>
+                  </p:par>
+                  <p:par>
+                    <p:cTn id="11" fill="hold">
+                      <p:stCondLst>
+                        <p:cond delay="indefinite"/>
+                      </p:stCondLst>
+                      <p:childTnLst>
+                        <p:par>
+                          <p:cTn id="12" fill="hold">
+                            <p:stCondLst>
+                              <p:cond delay="0"/>
+                            </p:stCondLst>
+                            <p:childTnLst>
+                              <p:par>
+                                <p:cTn id="13" presetID="10" presetClass="entr" presetSubtype="0" fill="hold" grpId="0" nodeType="clickEffect">
+                                  <p:stCondLst>
+                                    <p:cond delay="0"/>
+                                  </p:stCondLst>
+                                  <p:childTnLst>
+                                    <p:set>
+                                      <p:cBhvr>
+                                        <p:cTn id="14" dur="1" fill="hold">
+                                          <p:stCondLst>
+                                            <p:cond delay="0"/>
+                                          </p:stCondLst>
+                                        </p:cTn>
+                                        <p:tgtEl>
+                                          <p:spTgt spid="3">
+                                            <p:txEl>
+                                              <p:pRg st="2" end="2"/>
+                                            </p:txEl>
+                                          </p:spTgt>
+                                        </p:tgtEl>
+                                        <p:attrNameLst>
+                                          <p:attrName>style.visibility</p:attrName>
+                                        </p:attrNameLst>
+                                      </p:cBhvr>
+                                      <p:to>
+                                        <p:strVal val="visible"/>
+                                      </p:to>
+                                    </p:set>
+                                    <p:animEffect transition="in" filter="fade">
+                                      <p:cBhvr>
+                                        <p:cTn id="15" dur="500"/>
+                                        <p:tgtEl>
+                                          <p:spTgt spid="3">
+                                            <p:txEl>
+                                              <p:pRg st="2" end="2"/>
+                                            </p:txEl>
+                                          </p:spTgt>
+                                        </p:tgtEl>
+                                      </p:cBhvr>
+                                    </p:animEffect>
+                                  </p:childTnLst>
+                                </p:cTn>
+                              </p:par>
+                            </p:childTnLst>
+                          </p:cTn>
+                        </p:par>
+                      </p:childTnLst>
+                    </p:cTn>
+                  </p:par>
+                  <p:par>
+                    <p:cTn id="16" fill="hold">
+                      <p:stCondLst>
+                        <p:cond delay="indefinite"/>
+                      </p:stCondLst>
+                      <p:childTnLst>
+                        <p:par>
+                          <p:cTn id="17" fill="hold">
+                            <p:stCondLst>
+                              <p:cond delay="0"/>
+                            </p:stCondLst>
+                            <p:childTnLst>
+                              <p:par>
+                                <p:cTn id="18" presetID="10" presetClass="entr" presetSubtype="0" fill="hold" grpId="0" nodeType="clickEffect">
+                                  <p:stCondLst>
+                                    <p:cond delay="0"/>
+                                  </p:stCondLst>
+                                  <p:childTnLst>
+                                    <p:set>
+                                      <p:cBhvr>
+                                        <p:cTn id="19" dur="1" fill="hold">
+                                          <p:stCondLst>
+                                            <p:cond delay="0"/>
+                                          </p:stCondLst>
+                                        </p:cTn>
+                                        <p:tgtEl>
+                                          <p:spTgt spid="3">
+                                            <p:txEl>
+                                              <p:pRg st="3" end="3"/>
+                                            </p:txEl>
+                                          </p:spTgt>
+                                        </p:tgtEl>
+                                        <p:attrNameLst>
+                                          <p:attrName>style.visibility</p:attrName>
+                                        </p:attrNameLst>
+                                      </p:cBhvr>
+                                      <p:to>
+                                        <p:strVal val="visible"/>
+                                      </p:to>
+                                    </p:set>
+                                    <p:animEffect transition="in" filter="fade">
+                                      <p:cBhvr>
+                                        <p:cTn id="20" dur="500"/>
+                                        <p:tgtEl>
+                                          <p:spTgt spid="3">
+                                            <p:txEl>
+                                              <p:pRg st="3" end="3"/>
+                                            </p:txEl>
+                                          </p:spTgt>
+                                        </p:tgtEl>
+                                      </p:cBhvr>
+                                    </p:animEffect>
+                                  </p:childTnLst>
+                                </p:cTn>
+                              </p:par>
+                              <p:par>
+                                <p:cTn id="21" presetID="10" presetClass="entr" presetSubtype="0" fill="hold" grpId="0" nodeType="withEffect">
+                                  <p:stCondLst>
+                                    <p:cond delay="0"/>
+                                  </p:stCondLst>
+                                  <p:childTnLst>
+                                    <p:set>
+                                      <p:cBhvr>
+                                        <p:cTn id="22" dur="1" fill="hold">
+                                          <p:stCondLst>
+                                            <p:cond delay="0"/>
+                                          </p:stCondLst>
+                                        </p:cTn>
+                                        <p:tgtEl>
+                                          <p:spTgt spid="3">
+                                            <p:txEl>
+                                              <p:pRg st="4" end="4"/>
+                                            </p:txEl>
+                                          </p:spTgt>
+                                        </p:tgtEl>
+                                        <p:attrNameLst>
+                                          <p:attrName>style.visibility</p:attrName>
+                                        </p:attrNameLst>
+                                      </p:cBhvr>
+                                      <p:to>
+                                        <p:strVal val="visible"/>
+                                      </p:to>
+                                    </p:set>
+                                    <p:animEffect transition="in" filter="fade">
+                                      <p:cBhvr>
+                                        <p:cTn id="23" dur="500"/>
+                                        <p:tgtEl>
+                                          <p:spTgt spid="3">
+                                            <p:txEl>
+                                              <p:pRg st="4" end="4"/>
+                                            </p:txEl>
+                                          </p:spTgt>
+                                        </p:tgtEl>
+                                      </p:cBhvr>
+                                    </p:animEffect>
+                                  </p:childTnLst>
+                                </p:cTn>
+                              </p:par>
+                            </p:childTnLst>
+                          </p:cTn>
+                        </p:par>
+                      </p:childTnLst>
+                    </p:cTn>
+                  </p:par>
+                  <p:par>
+                    <p:cTn id="24" fill="hold">
+                      <p:stCondLst>
+                        <p:cond delay="indefinite"/>
+                      </p:stCondLst>
+                      <p:childTnLst>
+                        <p:par>
+                          <p:cTn id="25" fill="hold">
+                            <p:stCondLst>
+                              <p:cond delay="0"/>
+                            </p:stCondLst>
+                            <p:childTnLst>
+                              <p:par>
+                                <p:cTn id="26" presetID="10" presetClass="entr" presetSubtype="0" fill="hold" grpId="0" nodeType="clickEffect">
+                                  <p:stCondLst>
+                                    <p:cond delay="0"/>
+                                  </p:stCondLst>
+                                  <p:childTnLst>
+                                    <p:set>
+                                      <p:cBhvr>
+                                        <p:cTn id="27" dur="1" fill="hold">
+                                          <p:stCondLst>
+                                            <p:cond delay="0"/>
+                                          </p:stCondLst>
+                                        </p:cTn>
+                                        <p:tgtEl>
+                                          <p:spTgt spid="3">
+                                            <p:txEl>
+                                              <p:pRg st="5" end="5"/>
+                                            </p:txEl>
+                                          </p:spTgt>
+                                        </p:tgtEl>
+                                        <p:attrNameLst>
+                                          <p:attrName>style.visibility</p:attrName>
+                                        </p:attrNameLst>
+                                      </p:cBhvr>
+                                      <p:to>
+                                        <p:strVal val="visible"/>
+                                      </p:to>
+                                    </p:set>
+                                    <p:animEffect transition="in" filter="fade">
+                                      <p:cBhvr>
+                                        <p:cTn id="28" dur="500"/>
+                                        <p:tgtEl>
+                                          <p:spTgt spid="3">
+                                            <p:txEl>
+                                              <p:pRg st="5" end="5"/>
+                                            </p:txEl>
+                                          </p:spTgt>
+                                        </p:tgtEl>
+                                      </p:cBhvr>
+                                    </p:animEffect>
+                                  </p:childTnLst>
+                                </p:cTn>
+                              </p:par>
+                            </p:childTnLst>
+                          </p:cTn>
+                        </p:par>
+                      </p:childTnLst>
+                    </p:cTn>
+                  </p:par>
+                </p:childTnLst>
+              </p:cTn>
+              <p:prevCondLst>
+                <p:cond evt="onPrev" delay="0">
+                  <p:tgtEl>
+                    <p:sldTgt/>
+                  </p:tgtEl>
+                </p:cond>
+              </p:prevCondLst>
+              <p:nextCondLst>
+                <p:cond evt="onNext" delay="0">
+                  <p:tgtEl>
+                    <p:sldTgt/>
+                  </p:tgtEl>
+                </p:cond>
+              </p:nextCondLst>
+            </p:seq>
+          </p:childTnLst>
+        </p:cTn>
+      </p:par>
+    </p:tnLst>
+    <p:bldLst>
+      <p:bldP spid="3" grpId="0" build="p"/>
+    </p:bldLst>
+  </p:timing>
 </p:sld>
 </file>
 
@@ -14373,7 +16561,12 @@
             <p:ph idx="1"/>
           </p:nvPr>
         </p:nvSpPr>
-        <p:spPr/>
+        <p:spPr>
+          <a:xfrm>
+            <a:off x="838200" y="1825625"/>
+            <a:ext cx="4953000" cy="4351338"/>
+          </a:xfrm>
+        </p:spPr>
         <p:txBody>
           <a:bodyPr/>
           <a:lstStyle/>
@@ -14422,6 +16615,42 @@
           </a:p>
         </p:txBody>
       </p:sp>
+      <p:pic>
+        <p:nvPicPr>
+          <p:cNvPr id="4" name="Picture 3">
+            <a:extLst>
+              <a:ext uri="{FF2B5EF4-FFF2-40B4-BE49-F238E27FC236}">
+                <a16:creationId xmlns:a16="http://schemas.microsoft.com/office/drawing/2014/main" id="{5FF55602-1867-E033-98C5-02FA05588013}"/>
+              </a:ext>
+            </a:extLst>
+          </p:cNvPr>
+          <p:cNvPicPr>
+            <a:picLocks noChangeAspect="1"/>
+          </p:cNvPicPr>
+          <p:nvPr/>
+        </p:nvPicPr>
+        <p:blipFill>
+          <a:blip r:embed="rId3">
+            <a:extLst>
+              <a:ext uri="{28A0092B-C50C-407E-A947-70E740481C1C}">
+                <a14:useLocalDpi xmlns:a14="http://schemas.microsoft.com/office/drawing/2010/main" val="0"/>
+              </a:ext>
+            </a:extLst>
+          </a:blip>
+          <a:stretch>
+            <a:fillRect/>
+          </a:stretch>
+        </p:blipFill>
+        <p:spPr>
+          <a:xfrm>
+            <a:off x="6105523" y="2142537"/>
+            <a:ext cx="5924551" cy="3372437"/>
+          </a:xfrm>
+          <a:prstGeom prst="rect">
+            <a:avLst/>
+          </a:prstGeom>
+        </p:spPr>
+      </p:pic>
     </p:spTree>
     <p:extLst>
       <p:ext uri="{BB962C8B-B14F-4D97-AF65-F5344CB8AC3E}">
@@ -15960,9 +18189,16 @@
             <p:ph idx="1"/>
           </p:nvPr>
         </p:nvSpPr>
-        <p:spPr/>
-        <p:txBody>
-          <a:bodyPr/>
+        <p:spPr>
+          <a:xfrm>
+            <a:off x="838200" y="1825625"/>
+            <a:ext cx="5943600" cy="4351338"/>
+          </a:xfrm>
+        </p:spPr>
+        <p:txBody>
+          <a:bodyPr>
+            <a:normAutofit fontScale="92500"/>
+          </a:bodyPr>
           <a:lstStyle/>
           <a:p>
             <a:r>
@@ -16022,6 +18258,42 @@
           </a:p>
         </p:txBody>
       </p:sp>
+      <p:pic>
+        <p:nvPicPr>
+          <p:cNvPr id="5" name="Picture 4" descr="A close-up of a cpu&#10;&#10;AI-generated content may be incorrect.">
+            <a:extLst>
+              <a:ext uri="{FF2B5EF4-FFF2-40B4-BE49-F238E27FC236}">
+                <a16:creationId xmlns:a16="http://schemas.microsoft.com/office/drawing/2014/main" id="{64CFEC9B-7C52-FE2A-2EAD-33736AEA4D25}"/>
+              </a:ext>
+            </a:extLst>
+          </p:cNvPr>
+          <p:cNvPicPr>
+            <a:picLocks noChangeAspect="1"/>
+          </p:cNvPicPr>
+          <p:nvPr/>
+        </p:nvPicPr>
+        <p:blipFill>
+          <a:blip r:embed="rId3">
+            <a:extLst>
+              <a:ext uri="{28A0092B-C50C-407E-A947-70E740481C1C}">
+                <a14:useLocalDpi xmlns:a14="http://schemas.microsoft.com/office/drawing/2010/main" val="0"/>
+              </a:ext>
+            </a:extLst>
+          </a:blip>
+          <a:stretch>
+            <a:fillRect/>
+          </a:stretch>
+        </p:blipFill>
+        <p:spPr>
+          <a:xfrm>
+            <a:off x="7100391" y="2291532"/>
+            <a:ext cx="4843959" cy="2693216"/>
+          </a:xfrm>
+          <a:prstGeom prst="rect">
+            <a:avLst/>
+          </a:prstGeom>
+        </p:spPr>
+      </p:pic>
     </p:spTree>
     <p:extLst>
       <p:ext uri="{BB962C8B-B14F-4D97-AF65-F5344CB8AC3E}">
@@ -16212,7 +18484,7 @@
             <a:spLocks noGrp="1"/>
           </p:cNvSpPr>
           <p:nvPr>
-            <p:ph idx="1"/>
+            <p:ph sz="half" idx="1"/>
           </p:nvPr>
         </p:nvSpPr>
         <p:spPr/>
@@ -16224,13 +18496,19 @@
           <a:p>
             <a:r>
               <a:rPr lang="ru-RU" dirty="0"/>
+              <a:t>Материнская плата</a:t>
+            </a:r>
+          </a:p>
+          <a:p>
+            <a:r>
+              <a:rPr lang="ru-RU" dirty="0"/>
               <a:t>Процессор</a:t>
             </a:r>
           </a:p>
           <a:p>
             <a:r>
               <a:rPr lang="ru-RU" dirty="0"/>
-              <a:t>ОЗУ</a:t>
+              <a:t>Память ОЗУ, ПЗУ</a:t>
             </a:r>
           </a:p>
           <a:p>
@@ -16263,14 +18541,43 @@
               <a:t>Звуковая карта</a:t>
             </a:r>
           </a:p>
-          <a:p>
-            <a:r>
-              <a:rPr lang="ru-RU" dirty="0"/>
-              <a:t>У этих устройств разные производители</a:t>
-            </a:r>
-          </a:p>
-        </p:txBody>
-      </p:sp>
+        </p:txBody>
+      </p:sp>
+      <p:pic>
+        <p:nvPicPr>
+          <p:cNvPr id="9" name="Content Placeholder 8" descr="A computer with a computer monitor and keyboard&#10;&#10;AI-generated content may be incorrect.">
+            <a:extLst>
+              <a:ext uri="{FF2B5EF4-FFF2-40B4-BE49-F238E27FC236}">
+                <a16:creationId xmlns:a16="http://schemas.microsoft.com/office/drawing/2014/main" id="{3549F943-75F4-977E-6150-04200A8861D0}"/>
+              </a:ext>
+            </a:extLst>
+          </p:cNvPr>
+          <p:cNvPicPr>
+            <a:picLocks noGrp="1" noChangeAspect="1"/>
+          </p:cNvPicPr>
+          <p:nvPr>
+            <p:ph sz="half" idx="2"/>
+          </p:nvPr>
+        </p:nvPicPr>
+        <p:blipFill>
+          <a:blip r:embed="rId3">
+            <a:extLst>
+              <a:ext uri="{28A0092B-C50C-407E-A947-70E740481C1C}">
+                <a14:useLocalDpi xmlns:a14="http://schemas.microsoft.com/office/drawing/2010/main" val="0"/>
+              </a:ext>
+            </a:extLst>
+          </a:blip>
+          <a:stretch>
+            <a:fillRect/>
+          </a:stretch>
+        </p:blipFill>
+        <p:spPr>
+          <a:xfrm>
+            <a:off x="6172200" y="2274094"/>
+            <a:ext cx="5181600" cy="3454399"/>
+          </a:xfrm>
+        </p:spPr>
+      </p:pic>
     </p:spTree>
     <p:extLst>
       <p:ext uri="{BB962C8B-B14F-4D97-AF65-F5344CB8AC3E}">
@@ -16646,9 +18953,16 @@
             <p:ph idx="1"/>
           </p:nvPr>
         </p:nvSpPr>
-        <p:spPr/>
-        <p:txBody>
-          <a:bodyPr/>
+        <p:spPr>
+          <a:xfrm>
+            <a:off x="838200" y="1825625"/>
+            <a:ext cx="5600700" cy="4351338"/>
+          </a:xfrm>
+        </p:spPr>
+        <p:txBody>
+          <a:bodyPr>
+            <a:normAutofit lnSpcReduction="10000"/>
+          </a:bodyPr>
           <a:lstStyle/>
           <a:p>
             <a:r>
@@ -16686,6 +19000,46 @@
           </a:p>
         </p:txBody>
       </p:sp>
+      <p:pic>
+        <p:nvPicPr>
+          <p:cNvPr id="5" name="Picture 4">
+            <a:extLst>
+              <a:ext uri="{FF2B5EF4-FFF2-40B4-BE49-F238E27FC236}">
+                <a16:creationId xmlns:a16="http://schemas.microsoft.com/office/drawing/2014/main" id="{D2A00BD0-8D55-6AB0-1807-2B00B7882471}"/>
+              </a:ext>
+            </a:extLst>
+          </p:cNvPr>
+          <p:cNvPicPr>
+            <a:picLocks noChangeAspect="1"/>
+          </p:cNvPicPr>
+          <p:nvPr/>
+        </p:nvPicPr>
+        <p:blipFill>
+          <a:blip r:embed="rId3">
+            <a:extLst>
+              <a:ext uri="{28A0092B-C50C-407E-A947-70E740481C1C}">
+                <a14:useLocalDpi xmlns:a14="http://schemas.microsoft.com/office/drawing/2010/main" val="0"/>
+              </a:ext>
+            </a:extLst>
+          </a:blip>
+          <a:srcRect/>
+          <a:stretch/>
+        </p:blipFill>
+        <p:spPr>
+          <a:xfrm>
+            <a:off x="6991350" y="1825625"/>
+            <a:ext cx="4943598" cy="3657599"/>
+          </a:xfrm>
+          <a:prstGeom prst="rect">
+            <a:avLst/>
+          </a:prstGeom>
+          <a:ln>
+            <a:solidFill>
+              <a:schemeClr val="accent1"/>
+            </a:solidFill>
+          </a:ln>
+        </p:spPr>
+      </p:pic>
     </p:spTree>
     <p:extLst>
       <p:ext uri="{BB962C8B-B14F-4D97-AF65-F5344CB8AC3E}">
@@ -16906,9 +19260,16 @@
             <p:ph idx="1"/>
           </p:nvPr>
         </p:nvSpPr>
-        <p:spPr/>
-        <p:txBody>
-          <a:bodyPr/>
+        <p:spPr>
+          <a:xfrm>
+            <a:off x="838200" y="1825625"/>
+            <a:ext cx="5410200" cy="4351338"/>
+          </a:xfrm>
+        </p:spPr>
+        <p:txBody>
+          <a:bodyPr>
+            <a:normAutofit fontScale="92500" lnSpcReduction="10000"/>
+          </a:bodyPr>
           <a:lstStyle/>
           <a:p>
             <a:r>
@@ -16946,6 +19307,41 @@
           </a:p>
         </p:txBody>
       </p:sp>
+      <p:pic>
+        <p:nvPicPr>
+          <p:cNvPr id="5" name="Picture 4">
+            <a:extLst>
+              <a:ext uri="{FF2B5EF4-FFF2-40B4-BE49-F238E27FC236}">
+                <a16:creationId xmlns:a16="http://schemas.microsoft.com/office/drawing/2014/main" id="{F63B1C14-B6B7-D334-81D3-BC0A2AE47074}"/>
+              </a:ext>
+            </a:extLst>
+          </p:cNvPr>
+          <p:cNvPicPr>
+            <a:picLocks noChangeAspect="1"/>
+          </p:cNvPicPr>
+          <p:nvPr/>
+        </p:nvPicPr>
+        <p:blipFill>
+          <a:blip r:embed="rId3">
+            <a:extLst>
+              <a:ext uri="{28A0092B-C50C-407E-A947-70E740481C1C}">
+                <a14:useLocalDpi xmlns:a14="http://schemas.microsoft.com/office/drawing/2010/main" val="0"/>
+              </a:ext>
+            </a:extLst>
+          </a:blip>
+          <a:srcRect/>
+          <a:stretch/>
+        </p:blipFill>
+        <p:spPr>
+          <a:xfrm>
+            <a:off x="6213006" y="2513806"/>
+            <a:ext cx="5669544" cy="2823433"/>
+          </a:xfrm>
+          <a:prstGeom prst="rect">
+            <a:avLst/>
+          </a:prstGeom>
+        </p:spPr>
+      </p:pic>
     </p:spTree>
     <p:extLst>
       <p:ext uri="{BB962C8B-B14F-4D97-AF65-F5344CB8AC3E}">
@@ -18049,9 +20445,16 @@
             <p:ph idx="1"/>
           </p:nvPr>
         </p:nvSpPr>
-        <p:spPr/>
-        <p:txBody>
-          <a:bodyPr/>
+        <p:spPr>
+          <a:xfrm>
+            <a:off x="838201" y="1825625"/>
+            <a:ext cx="6038849" cy="4351338"/>
+          </a:xfrm>
+        </p:spPr>
+        <p:txBody>
+          <a:bodyPr>
+            <a:normAutofit lnSpcReduction="10000"/>
+          </a:bodyPr>
           <a:lstStyle/>
           <a:p>
             <a:r>
@@ -18116,6 +20519,41 @@
           </a:p>
         </p:txBody>
       </p:sp>
+      <p:pic>
+        <p:nvPicPr>
+          <p:cNvPr id="3" name="Picture 2">
+            <a:extLst>
+              <a:ext uri="{FF2B5EF4-FFF2-40B4-BE49-F238E27FC236}">
+                <a16:creationId xmlns:a16="http://schemas.microsoft.com/office/drawing/2014/main" id="{38EEA430-CCDF-3B12-C3E0-8B36CEA7552A}"/>
+              </a:ext>
+            </a:extLst>
+          </p:cNvPr>
+          <p:cNvPicPr>
+            <a:picLocks noChangeAspect="1"/>
+          </p:cNvPicPr>
+          <p:nvPr/>
+        </p:nvPicPr>
+        <p:blipFill>
+          <a:blip r:embed="rId3">
+            <a:extLst>
+              <a:ext uri="{28A0092B-C50C-407E-A947-70E740481C1C}">
+                <a14:useLocalDpi xmlns:a14="http://schemas.microsoft.com/office/drawing/2010/main" val="0"/>
+              </a:ext>
+            </a:extLst>
+          </a:blip>
+          <a:srcRect/>
+          <a:stretch/>
+        </p:blipFill>
+        <p:spPr>
+          <a:xfrm>
+            <a:off x="7143751" y="2002545"/>
+            <a:ext cx="4627697" cy="3082046"/>
+          </a:xfrm>
+          <a:prstGeom prst="rect">
+            <a:avLst/>
+          </a:prstGeom>
+        </p:spPr>
+      </p:pic>
     </p:spTree>
     <p:extLst>
       <p:ext uri="{BB962C8B-B14F-4D97-AF65-F5344CB8AC3E}">
@@ -18653,6 +21091,523 @@
   <p:clrMapOvr>
     <a:masterClrMapping/>
   </p:clrMapOvr>
+  <p:timing>
+    <p:tnLst>
+      <p:par>
+        <p:cTn id="1" dur="indefinite" restart="never" nodeType="tmRoot">
+          <p:childTnLst>
+            <p:seq concurrent="1" nextAc="seek">
+              <p:cTn id="2" dur="indefinite" nodeType="mainSeq">
+                <p:childTnLst>
+                  <p:par>
+                    <p:cTn id="3" fill="hold">
+                      <p:stCondLst>
+                        <p:cond delay="indefinite"/>
+                      </p:stCondLst>
+                      <p:childTnLst>
+                        <p:par>
+                          <p:cTn id="4" fill="hold">
+                            <p:stCondLst>
+                              <p:cond delay="0"/>
+                            </p:stCondLst>
+                            <p:childTnLst>
+                              <p:par>
+                                <p:cTn id="5" presetID="10" presetClass="entr" presetSubtype="0" fill="hold" grpId="0" nodeType="clickEffect">
+                                  <p:stCondLst>
+                                    <p:cond delay="0"/>
+                                  </p:stCondLst>
+                                  <p:childTnLst>
+                                    <p:set>
+                                      <p:cBhvr>
+                                        <p:cTn id="6" dur="1" fill="hold">
+                                          <p:stCondLst>
+                                            <p:cond delay="0"/>
+                                          </p:stCondLst>
+                                        </p:cTn>
+                                        <p:tgtEl>
+                                          <p:spTgt spid="3">
+                                            <p:txEl>
+                                              <p:pRg st="0" end="0"/>
+                                            </p:txEl>
+                                          </p:spTgt>
+                                        </p:tgtEl>
+                                        <p:attrNameLst>
+                                          <p:attrName>style.visibility</p:attrName>
+                                        </p:attrNameLst>
+                                      </p:cBhvr>
+                                      <p:to>
+                                        <p:strVal val="visible"/>
+                                      </p:to>
+                                    </p:set>
+                                    <p:animEffect transition="in" filter="fade">
+                                      <p:cBhvr>
+                                        <p:cTn id="7" dur="500"/>
+                                        <p:tgtEl>
+                                          <p:spTgt spid="3">
+                                            <p:txEl>
+                                              <p:pRg st="0" end="0"/>
+                                            </p:txEl>
+                                          </p:spTgt>
+                                        </p:tgtEl>
+                                      </p:cBhvr>
+                                    </p:animEffect>
+                                  </p:childTnLst>
+                                </p:cTn>
+                              </p:par>
+                              <p:par>
+                                <p:cTn id="8" presetID="10" presetClass="entr" presetSubtype="0" fill="hold" grpId="0" nodeType="withEffect">
+                                  <p:stCondLst>
+                                    <p:cond delay="0"/>
+                                  </p:stCondLst>
+                                  <p:childTnLst>
+                                    <p:set>
+                                      <p:cBhvr>
+                                        <p:cTn id="9" dur="1" fill="hold">
+                                          <p:stCondLst>
+                                            <p:cond delay="0"/>
+                                          </p:stCondLst>
+                                        </p:cTn>
+                                        <p:tgtEl>
+                                          <p:spTgt spid="3">
+                                            <p:txEl>
+                                              <p:pRg st="1" end="1"/>
+                                            </p:txEl>
+                                          </p:spTgt>
+                                        </p:tgtEl>
+                                        <p:attrNameLst>
+                                          <p:attrName>style.visibility</p:attrName>
+                                        </p:attrNameLst>
+                                      </p:cBhvr>
+                                      <p:to>
+                                        <p:strVal val="visible"/>
+                                      </p:to>
+                                    </p:set>
+                                    <p:animEffect transition="in" filter="fade">
+                                      <p:cBhvr>
+                                        <p:cTn id="10" dur="500"/>
+                                        <p:tgtEl>
+                                          <p:spTgt spid="3">
+                                            <p:txEl>
+                                              <p:pRg st="1" end="1"/>
+                                            </p:txEl>
+                                          </p:spTgt>
+                                        </p:tgtEl>
+                                      </p:cBhvr>
+                                    </p:animEffect>
+                                  </p:childTnLst>
+                                </p:cTn>
+                              </p:par>
+                              <p:par>
+                                <p:cTn id="11" presetID="10" presetClass="entr" presetSubtype="0" fill="hold" grpId="0" nodeType="withEffect">
+                                  <p:stCondLst>
+                                    <p:cond delay="0"/>
+                                  </p:stCondLst>
+                                  <p:childTnLst>
+                                    <p:set>
+                                      <p:cBhvr>
+                                        <p:cTn id="12" dur="1" fill="hold">
+                                          <p:stCondLst>
+                                            <p:cond delay="0"/>
+                                          </p:stCondLst>
+                                        </p:cTn>
+                                        <p:tgtEl>
+                                          <p:spTgt spid="3">
+                                            <p:txEl>
+                                              <p:pRg st="2" end="2"/>
+                                            </p:txEl>
+                                          </p:spTgt>
+                                        </p:tgtEl>
+                                        <p:attrNameLst>
+                                          <p:attrName>style.visibility</p:attrName>
+                                        </p:attrNameLst>
+                                      </p:cBhvr>
+                                      <p:to>
+                                        <p:strVal val="visible"/>
+                                      </p:to>
+                                    </p:set>
+                                    <p:animEffect transition="in" filter="fade">
+                                      <p:cBhvr>
+                                        <p:cTn id="13" dur="500"/>
+                                        <p:tgtEl>
+                                          <p:spTgt spid="3">
+                                            <p:txEl>
+                                              <p:pRg st="2" end="2"/>
+                                            </p:txEl>
+                                          </p:spTgt>
+                                        </p:tgtEl>
+                                      </p:cBhvr>
+                                    </p:animEffect>
+                                  </p:childTnLst>
+                                </p:cTn>
+                              </p:par>
+                            </p:childTnLst>
+                          </p:cTn>
+                        </p:par>
+                      </p:childTnLst>
+                    </p:cTn>
+                  </p:par>
+                  <p:par>
+                    <p:cTn id="14" fill="hold">
+                      <p:stCondLst>
+                        <p:cond delay="indefinite"/>
+                      </p:stCondLst>
+                      <p:childTnLst>
+                        <p:par>
+                          <p:cTn id="15" fill="hold">
+                            <p:stCondLst>
+                              <p:cond delay="0"/>
+                            </p:stCondLst>
+                            <p:childTnLst>
+                              <p:par>
+                                <p:cTn id="16" presetID="10" presetClass="entr" presetSubtype="0" fill="hold" grpId="0" nodeType="clickEffect">
+                                  <p:stCondLst>
+                                    <p:cond delay="0"/>
+                                  </p:stCondLst>
+                                  <p:childTnLst>
+                                    <p:set>
+                                      <p:cBhvr>
+                                        <p:cTn id="17" dur="1" fill="hold">
+                                          <p:stCondLst>
+                                            <p:cond delay="0"/>
+                                          </p:stCondLst>
+                                        </p:cTn>
+                                        <p:tgtEl>
+                                          <p:spTgt spid="3">
+                                            <p:txEl>
+                                              <p:pRg st="3" end="3"/>
+                                            </p:txEl>
+                                          </p:spTgt>
+                                        </p:tgtEl>
+                                        <p:attrNameLst>
+                                          <p:attrName>style.visibility</p:attrName>
+                                        </p:attrNameLst>
+                                      </p:cBhvr>
+                                      <p:to>
+                                        <p:strVal val="visible"/>
+                                      </p:to>
+                                    </p:set>
+                                    <p:animEffect transition="in" filter="fade">
+                                      <p:cBhvr>
+                                        <p:cTn id="18" dur="500"/>
+                                        <p:tgtEl>
+                                          <p:spTgt spid="3">
+                                            <p:txEl>
+                                              <p:pRg st="3" end="3"/>
+                                            </p:txEl>
+                                          </p:spTgt>
+                                        </p:tgtEl>
+                                      </p:cBhvr>
+                                    </p:animEffect>
+                                  </p:childTnLst>
+                                </p:cTn>
+                              </p:par>
+                              <p:par>
+                                <p:cTn id="19" presetID="10" presetClass="entr" presetSubtype="0" fill="hold" grpId="0" nodeType="withEffect">
+                                  <p:stCondLst>
+                                    <p:cond delay="0"/>
+                                  </p:stCondLst>
+                                  <p:childTnLst>
+                                    <p:set>
+                                      <p:cBhvr>
+                                        <p:cTn id="20" dur="1" fill="hold">
+                                          <p:stCondLst>
+                                            <p:cond delay="0"/>
+                                          </p:stCondLst>
+                                        </p:cTn>
+                                        <p:tgtEl>
+                                          <p:spTgt spid="3">
+                                            <p:txEl>
+                                              <p:pRg st="4" end="4"/>
+                                            </p:txEl>
+                                          </p:spTgt>
+                                        </p:tgtEl>
+                                        <p:attrNameLst>
+                                          <p:attrName>style.visibility</p:attrName>
+                                        </p:attrNameLst>
+                                      </p:cBhvr>
+                                      <p:to>
+                                        <p:strVal val="visible"/>
+                                      </p:to>
+                                    </p:set>
+                                    <p:animEffect transition="in" filter="fade">
+                                      <p:cBhvr>
+                                        <p:cTn id="21" dur="500"/>
+                                        <p:tgtEl>
+                                          <p:spTgt spid="3">
+                                            <p:txEl>
+                                              <p:pRg st="4" end="4"/>
+                                            </p:txEl>
+                                          </p:spTgt>
+                                        </p:tgtEl>
+                                      </p:cBhvr>
+                                    </p:animEffect>
+                                  </p:childTnLst>
+                                </p:cTn>
+                              </p:par>
+                              <p:par>
+                                <p:cTn id="22" presetID="10" presetClass="entr" presetSubtype="0" fill="hold" grpId="0" nodeType="withEffect">
+                                  <p:stCondLst>
+                                    <p:cond delay="0"/>
+                                  </p:stCondLst>
+                                  <p:childTnLst>
+                                    <p:set>
+                                      <p:cBhvr>
+                                        <p:cTn id="23" dur="1" fill="hold">
+                                          <p:stCondLst>
+                                            <p:cond delay="0"/>
+                                          </p:stCondLst>
+                                        </p:cTn>
+                                        <p:tgtEl>
+                                          <p:spTgt spid="3">
+                                            <p:txEl>
+                                              <p:pRg st="5" end="5"/>
+                                            </p:txEl>
+                                          </p:spTgt>
+                                        </p:tgtEl>
+                                        <p:attrNameLst>
+                                          <p:attrName>style.visibility</p:attrName>
+                                        </p:attrNameLst>
+                                      </p:cBhvr>
+                                      <p:to>
+                                        <p:strVal val="visible"/>
+                                      </p:to>
+                                    </p:set>
+                                    <p:animEffect transition="in" filter="fade">
+                                      <p:cBhvr>
+                                        <p:cTn id="24" dur="500"/>
+                                        <p:tgtEl>
+                                          <p:spTgt spid="3">
+                                            <p:txEl>
+                                              <p:pRg st="5" end="5"/>
+                                            </p:txEl>
+                                          </p:spTgt>
+                                        </p:tgtEl>
+                                      </p:cBhvr>
+                                    </p:animEffect>
+                                  </p:childTnLst>
+                                </p:cTn>
+                              </p:par>
+                              <p:par>
+                                <p:cTn id="25" presetID="10" presetClass="entr" presetSubtype="0" fill="hold" grpId="0" nodeType="withEffect">
+                                  <p:stCondLst>
+                                    <p:cond delay="0"/>
+                                  </p:stCondLst>
+                                  <p:childTnLst>
+                                    <p:set>
+                                      <p:cBhvr>
+                                        <p:cTn id="26" dur="1" fill="hold">
+                                          <p:stCondLst>
+                                            <p:cond delay="0"/>
+                                          </p:stCondLst>
+                                        </p:cTn>
+                                        <p:tgtEl>
+                                          <p:spTgt spid="3">
+                                            <p:txEl>
+                                              <p:pRg st="6" end="6"/>
+                                            </p:txEl>
+                                          </p:spTgt>
+                                        </p:tgtEl>
+                                        <p:attrNameLst>
+                                          <p:attrName>style.visibility</p:attrName>
+                                        </p:attrNameLst>
+                                      </p:cBhvr>
+                                      <p:to>
+                                        <p:strVal val="visible"/>
+                                      </p:to>
+                                    </p:set>
+                                    <p:animEffect transition="in" filter="fade">
+                                      <p:cBhvr>
+                                        <p:cTn id="27" dur="500"/>
+                                        <p:tgtEl>
+                                          <p:spTgt spid="3">
+                                            <p:txEl>
+                                              <p:pRg st="6" end="6"/>
+                                            </p:txEl>
+                                          </p:spTgt>
+                                        </p:tgtEl>
+                                      </p:cBhvr>
+                                    </p:animEffect>
+                                  </p:childTnLst>
+                                </p:cTn>
+                              </p:par>
+                            </p:childTnLst>
+                          </p:cTn>
+                        </p:par>
+                      </p:childTnLst>
+                    </p:cTn>
+                  </p:par>
+                  <p:par>
+                    <p:cTn id="28" fill="hold">
+                      <p:stCondLst>
+                        <p:cond delay="indefinite"/>
+                      </p:stCondLst>
+                      <p:childTnLst>
+                        <p:par>
+                          <p:cTn id="29" fill="hold">
+                            <p:stCondLst>
+                              <p:cond delay="0"/>
+                            </p:stCondLst>
+                            <p:childTnLst>
+                              <p:par>
+                                <p:cTn id="30" presetID="10" presetClass="entr" presetSubtype="0" fill="hold" grpId="0" nodeType="clickEffect">
+                                  <p:stCondLst>
+                                    <p:cond delay="0"/>
+                                  </p:stCondLst>
+                                  <p:childTnLst>
+                                    <p:set>
+                                      <p:cBhvr>
+                                        <p:cTn id="31" dur="1" fill="hold">
+                                          <p:stCondLst>
+                                            <p:cond delay="0"/>
+                                          </p:stCondLst>
+                                        </p:cTn>
+                                        <p:tgtEl>
+                                          <p:spTgt spid="3">
+                                            <p:txEl>
+                                              <p:pRg st="7" end="7"/>
+                                            </p:txEl>
+                                          </p:spTgt>
+                                        </p:tgtEl>
+                                        <p:attrNameLst>
+                                          <p:attrName>style.visibility</p:attrName>
+                                        </p:attrNameLst>
+                                      </p:cBhvr>
+                                      <p:to>
+                                        <p:strVal val="visible"/>
+                                      </p:to>
+                                    </p:set>
+                                    <p:animEffect transition="in" filter="fade">
+                                      <p:cBhvr>
+                                        <p:cTn id="32" dur="500"/>
+                                        <p:tgtEl>
+                                          <p:spTgt spid="3">
+                                            <p:txEl>
+                                              <p:pRg st="7" end="7"/>
+                                            </p:txEl>
+                                          </p:spTgt>
+                                        </p:tgtEl>
+                                      </p:cBhvr>
+                                    </p:animEffect>
+                                  </p:childTnLst>
+                                </p:cTn>
+                              </p:par>
+                              <p:par>
+                                <p:cTn id="33" presetID="10" presetClass="entr" presetSubtype="0" fill="hold" grpId="0" nodeType="withEffect">
+                                  <p:stCondLst>
+                                    <p:cond delay="0"/>
+                                  </p:stCondLst>
+                                  <p:childTnLst>
+                                    <p:set>
+                                      <p:cBhvr>
+                                        <p:cTn id="34" dur="1" fill="hold">
+                                          <p:stCondLst>
+                                            <p:cond delay="0"/>
+                                          </p:stCondLst>
+                                        </p:cTn>
+                                        <p:tgtEl>
+                                          <p:spTgt spid="3">
+                                            <p:txEl>
+                                              <p:pRg st="8" end="8"/>
+                                            </p:txEl>
+                                          </p:spTgt>
+                                        </p:tgtEl>
+                                        <p:attrNameLst>
+                                          <p:attrName>style.visibility</p:attrName>
+                                        </p:attrNameLst>
+                                      </p:cBhvr>
+                                      <p:to>
+                                        <p:strVal val="visible"/>
+                                      </p:to>
+                                    </p:set>
+                                    <p:animEffect transition="in" filter="fade">
+                                      <p:cBhvr>
+                                        <p:cTn id="35" dur="500"/>
+                                        <p:tgtEl>
+                                          <p:spTgt spid="3">
+                                            <p:txEl>
+                                              <p:pRg st="8" end="8"/>
+                                            </p:txEl>
+                                          </p:spTgt>
+                                        </p:tgtEl>
+                                      </p:cBhvr>
+                                    </p:animEffect>
+                                  </p:childTnLst>
+                                </p:cTn>
+                              </p:par>
+                              <p:par>
+                                <p:cTn id="36" presetID="10" presetClass="entr" presetSubtype="0" fill="hold" grpId="0" nodeType="withEffect">
+                                  <p:stCondLst>
+                                    <p:cond delay="0"/>
+                                  </p:stCondLst>
+                                  <p:childTnLst>
+                                    <p:set>
+                                      <p:cBhvr>
+                                        <p:cTn id="37" dur="1" fill="hold">
+                                          <p:stCondLst>
+                                            <p:cond delay="0"/>
+                                          </p:stCondLst>
+                                        </p:cTn>
+                                        <p:tgtEl>
+                                          <p:spTgt spid="3">
+                                            <p:txEl>
+                                              <p:pRg st="9" end="9"/>
+                                            </p:txEl>
+                                          </p:spTgt>
+                                        </p:tgtEl>
+                                        <p:attrNameLst>
+                                          <p:attrName>style.visibility</p:attrName>
+                                        </p:attrNameLst>
+                                      </p:cBhvr>
+                                      <p:to>
+                                        <p:strVal val="visible"/>
+                                      </p:to>
+                                    </p:set>
+                                    <p:animEffect transition="in" filter="fade">
+                                      <p:cBhvr>
+                                        <p:cTn id="38" dur="500"/>
+                                        <p:tgtEl>
+                                          <p:spTgt spid="3">
+                                            <p:txEl>
+                                              <p:pRg st="9" end="9"/>
+                                            </p:txEl>
+                                          </p:spTgt>
+                                        </p:tgtEl>
+                                      </p:cBhvr>
+                                    </p:animEffect>
+                                  </p:childTnLst>
+                                </p:cTn>
+                              </p:par>
+                            </p:childTnLst>
+                          </p:cTn>
+                        </p:par>
+                      </p:childTnLst>
+                    </p:cTn>
+                  </p:par>
+                </p:childTnLst>
+              </p:cTn>
+              <p:prevCondLst>
+                <p:cond evt="onPrev" delay="0">
+                  <p:tgtEl>
+                    <p:sldTgt/>
+                  </p:tgtEl>
+                </p:cond>
+              </p:prevCondLst>
+              <p:nextCondLst>
+                <p:cond evt="onNext" delay="0">
+                  <p:tgtEl>
+                    <p:sldTgt/>
+                  </p:tgtEl>
+                </p:cond>
+              </p:nextCondLst>
+            </p:seq>
+          </p:childTnLst>
+        </p:cTn>
+      </p:par>
+    </p:tnLst>
+    <p:bldLst>
+      <p:bldP spid="3" grpId="0" build="p"/>
+    </p:bldLst>
+  </p:timing>
 </p:sld>
 </file>
 
@@ -20629,10 +23584,15 @@
             <p:ph idx="1"/>
           </p:nvPr>
         </p:nvSpPr>
-        <p:spPr/>
+        <p:spPr>
+          <a:xfrm>
+            <a:off x="838200" y="1825625"/>
+            <a:ext cx="6629400" cy="4351338"/>
+          </a:xfrm>
+        </p:spPr>
         <p:txBody>
           <a:bodyPr>
-            <a:normAutofit fontScale="92500" lnSpcReduction="10000"/>
+            <a:normAutofit fontScale="85000" lnSpcReduction="10000"/>
           </a:bodyPr>
           <a:lstStyle/>
           <a:p>
@@ -20764,6 +23724,42 @@
           </a:p>
         </p:txBody>
       </p:sp>
+      <p:pic>
+        <p:nvPicPr>
+          <p:cNvPr id="5" name="Picture 4" descr="A computer screen shot of a password&#10;&#10;AI-generated content may be incorrect.">
+            <a:extLst>
+              <a:ext uri="{FF2B5EF4-FFF2-40B4-BE49-F238E27FC236}">
+                <a16:creationId xmlns:a16="http://schemas.microsoft.com/office/drawing/2014/main" id="{AFDFE392-628F-BE52-CA18-F19D80CBF405}"/>
+              </a:ext>
+            </a:extLst>
+          </p:cNvPr>
+          <p:cNvPicPr>
+            <a:picLocks noChangeAspect="1"/>
+          </p:cNvPicPr>
+          <p:nvPr/>
+        </p:nvPicPr>
+        <p:blipFill>
+          <a:blip r:embed="rId3">
+            <a:extLst>
+              <a:ext uri="{28A0092B-C50C-407E-A947-70E740481C1C}">
+                <a14:useLocalDpi xmlns:a14="http://schemas.microsoft.com/office/drawing/2010/main" val="0"/>
+              </a:ext>
+            </a:extLst>
+          </a:blip>
+          <a:stretch>
+            <a:fillRect/>
+          </a:stretch>
+        </p:blipFill>
+        <p:spPr>
+          <a:xfrm>
+            <a:off x="7611531" y="1825625"/>
+            <a:ext cx="4370918" cy="3278188"/>
+          </a:xfrm>
+          <a:prstGeom prst="rect">
+            <a:avLst/>
+          </a:prstGeom>
+        </p:spPr>
+      </p:pic>
     </p:spTree>
     <p:extLst>
       <p:ext uri="{BB962C8B-B14F-4D97-AF65-F5344CB8AC3E}">
@@ -21283,6 +24279,101 @@
 </file>
 
 <file path=ppt/slides/slide68.xml><?xml version="1.0" encoding="utf-8"?>
+<p:sld xmlns:a="http://schemas.openxmlformats.org/drawingml/2006/main" xmlns:r="http://schemas.openxmlformats.org/officeDocument/2006/relationships" xmlns:p="http://schemas.openxmlformats.org/presentationml/2006/main">
+  <p:cSld>
+    <p:spTree>
+      <p:nvGrpSpPr>
+        <p:cNvPr id="1" name=""/>
+        <p:cNvGrpSpPr/>
+        <p:nvPr/>
+      </p:nvGrpSpPr>
+      <p:grpSpPr>
+        <a:xfrm>
+          <a:off x="0" y="0"/>
+          <a:ext cx="0" cy="0"/>
+          <a:chOff x="0" y="0"/>
+          <a:chExt cx="0" cy="0"/>
+        </a:xfrm>
+      </p:grpSpPr>
+      <p:sp>
+        <p:nvSpPr>
+          <p:cNvPr id="2" name="Title 1">
+            <a:extLst>
+              <a:ext uri="{FF2B5EF4-FFF2-40B4-BE49-F238E27FC236}">
+                <a16:creationId xmlns:a16="http://schemas.microsoft.com/office/drawing/2014/main" id="{BA117CB7-77DD-F1E8-ACDF-46C46E36F23B}"/>
+              </a:ext>
+            </a:extLst>
+          </p:cNvPr>
+          <p:cNvSpPr>
+            <a:spLocks noGrp="1"/>
+          </p:cNvSpPr>
+          <p:nvPr>
+            <p:ph type="title"/>
+          </p:nvPr>
+        </p:nvSpPr>
+        <p:spPr/>
+        <p:txBody>
+          <a:bodyPr/>
+          <a:lstStyle/>
+          <a:p>
+            <a:r>
+              <a:rPr lang="ru-RU" dirty="0"/>
+              <a:t>Список литературы</a:t>
+            </a:r>
+            <a:endParaRPr lang="en-US" dirty="0"/>
+          </a:p>
+        </p:txBody>
+      </p:sp>
+      <p:sp>
+        <p:nvSpPr>
+          <p:cNvPr id="3" name="Content Placeholder 2">
+            <a:extLst>
+              <a:ext uri="{FF2B5EF4-FFF2-40B4-BE49-F238E27FC236}">
+                <a16:creationId xmlns:a16="http://schemas.microsoft.com/office/drawing/2014/main" id="{B4BC8191-10EF-1B55-681E-ABEFC1ED71E1}"/>
+              </a:ext>
+            </a:extLst>
+          </p:cNvPr>
+          <p:cNvSpPr>
+            <a:spLocks noGrp="1"/>
+          </p:cNvSpPr>
+          <p:nvPr>
+            <p:ph idx="1"/>
+          </p:nvPr>
+        </p:nvSpPr>
+        <p:spPr/>
+        <p:txBody>
+          <a:bodyPr/>
+          <a:lstStyle/>
+          <a:p>
+            <a:r>
+              <a:rPr lang="en-US" dirty="0"/>
+              <a:t>A. Tanenbaum, H. Bos “Modern Operating Systems 5</a:t>
+            </a:r>
+            <a:r>
+              <a:rPr lang="en-US" baseline="30000" dirty="0"/>
+              <a:t>th</a:t>
+            </a:r>
+            <a:r>
+              <a:rPr lang="en-US" dirty="0"/>
+              <a:t> edition”, 2023</a:t>
+            </a:r>
+          </a:p>
+        </p:txBody>
+      </p:sp>
+    </p:spTree>
+    <p:extLst>
+      <p:ext uri="{BB962C8B-B14F-4D97-AF65-F5344CB8AC3E}">
+        <p14:creationId xmlns:p14="http://schemas.microsoft.com/office/powerpoint/2010/main" val="3356551972"/>
+      </p:ext>
+    </p:extLst>
+  </p:cSld>
+  <p:clrMapOvr>
+    <a:masterClrMapping/>
+  </p:clrMapOvr>
+</p:sld>
+</file>
+
+<file path=ppt/slides/slide69.xml><?xml version="1.0" encoding="utf-8"?>
 <p:sld xmlns:a="http://schemas.openxmlformats.org/drawingml/2006/main" xmlns:r="http://schemas.openxmlformats.org/officeDocument/2006/relationships" xmlns:p="http://schemas.openxmlformats.org/presentationml/2006/main">
   <p:cSld>
     <p:spTree>
